--- a/190625 DevOps Playground Jmeter Boris Levanov.pptx
+++ b/190625 DevOps Playground Jmeter Boris Levanov.pptx
@@ -5,27 +5,25 @@
     <p:sldMasterId id="2147483648" r:id="rId4"/>
   </p:sldMasterIdLst>
   <p:notesMasterIdLst>
-    <p:notesMasterId r:id="rId23"/>
+    <p:notesMasterId r:id="rId21"/>
   </p:notesMasterIdLst>
   <p:sldIdLst>
-    <p:sldId id="303" r:id="rId5"/>
-    <p:sldId id="256" r:id="rId6"/>
-    <p:sldId id="257" r:id="rId7"/>
-    <p:sldId id="258" r:id="rId8"/>
-    <p:sldId id="262" r:id="rId9"/>
-    <p:sldId id="259" r:id="rId10"/>
-    <p:sldId id="264" r:id="rId11"/>
-    <p:sldId id="267" r:id="rId12"/>
-    <p:sldId id="266" r:id="rId13"/>
-    <p:sldId id="269" r:id="rId14"/>
-    <p:sldId id="265" r:id="rId15"/>
-    <p:sldId id="272" r:id="rId16"/>
-    <p:sldId id="270" r:id="rId17"/>
-    <p:sldId id="273" r:id="rId18"/>
-    <p:sldId id="274" r:id="rId19"/>
-    <p:sldId id="275" r:id="rId20"/>
-    <p:sldId id="263" r:id="rId21"/>
-    <p:sldId id="271" r:id="rId22"/>
+    <p:sldId id="256" r:id="rId5"/>
+    <p:sldId id="257" r:id="rId6"/>
+    <p:sldId id="258" r:id="rId7"/>
+    <p:sldId id="262" r:id="rId8"/>
+    <p:sldId id="259" r:id="rId9"/>
+    <p:sldId id="264" r:id="rId10"/>
+    <p:sldId id="267" r:id="rId11"/>
+    <p:sldId id="266" r:id="rId12"/>
+    <p:sldId id="269" r:id="rId13"/>
+    <p:sldId id="265" r:id="rId14"/>
+    <p:sldId id="270" r:id="rId15"/>
+    <p:sldId id="273" r:id="rId16"/>
+    <p:sldId id="274" r:id="rId17"/>
+    <p:sldId id="275" r:id="rId18"/>
+    <p:sldId id="263" r:id="rId19"/>
+    <p:sldId id="271" r:id="rId20"/>
   </p:sldIdLst>
   <p:sldSz cx="12192000" cy="6858000"/>
   <p:notesSz cx="6858000" cy="9144000"/>
@@ -132,15 +130,6 @@
 </p:presentation>
 </file>
 
-<file path=ppt/revisionInfo.xml><?xml version="1.0" encoding="utf-8"?>
-<p1510:revInfo xmlns:a="http://schemas.openxmlformats.org/drawingml/2006/main" xmlns:r="http://schemas.openxmlformats.org/officeDocument/2006/relationships" xmlns:p1510="http://schemas.microsoft.com/office/powerpoint/2015/10/main">
-  <p1510:revLst>
-    <p1510:client id="{14A5DB21-45EA-49B6-833C-BF97DC75559C}" v="49" dt="2019-06-24T22:34:30.672"/>
-    <p1510:client id="{A6E8800F-B607-7344-B6D0-FEC8A20A292B}" v="35" dt="2019-06-25T15:57:00.013"/>
-  </p1510:revLst>
-</p1510:revInfo>
-</file>
-
 <file path=ppt/notesMasters/notesMaster1.xml><?xml version="1.0" encoding="utf-8"?>
 <p:notesMaster xmlns:a="http://schemas.openxmlformats.org/drawingml/2006/main" xmlns:r="http://schemas.openxmlformats.org/officeDocument/2006/relationships" xmlns:p="http://schemas.openxmlformats.org/presentationml/2006/main">
   <p:cSld>
@@ -223,7 +212,7 @@
           <a:p>
             <a:fld id="{AF5C6A79-32CD-BE49-B2EF-4F5CA8D4C393}" type="datetimeFigureOut">
               <a:rPr lang="en-US" smtClean="0"/>
-              <a:t>6/25/19</a:t>
+              <a:t>6/26/19</a:t>
             </a:fld>
             <a:endParaRPr lang="en-US"/>
           </a:p>
@@ -536,27 +525,35 @@
           <a:p>
             <a:r>
               <a:rPr lang="en-US" dirty="0"/>
-              <a:t>First of all thanks to everyone for joining us for this DevOps Playground Meetup at ECS Digital. </a:t>
-            </a:r>
-          </a:p>
-          <a:p>
+              <a:t>Mention that there will be a session for </a:t>
+            </a:r>
+            <a:r>
+              <a:rPr lang="en-US" b="1" dirty="0"/>
+              <a:t>questions</a:t>
+            </a:r>
             <a:r>
               <a:rPr lang="en-US" dirty="0"/>
               <a:t> </a:t>
             </a:r>
-          </a:p>
-          <a:p>
-            <a:r>
-              <a:rPr lang="en-US" dirty="0"/>
-              <a:t>Before we begin the session, has anyone not been able to access the </a:t>
-            </a:r>
-            <a:r>
-              <a:rPr lang="en-US" dirty="0" err="1"/>
-              <a:t>Wifi</a:t>
-            </a:r>
-            <a:r>
-              <a:rPr lang="en-US" dirty="0"/>
-              <a:t>?</a:t>
+            <a:r>
+              <a:rPr lang="en-US" b="1" dirty="0"/>
+              <a:t>during</a:t>
+            </a:r>
+            <a:r>
+              <a:rPr lang="en-US" dirty="0"/>
+              <a:t> and </a:t>
+            </a:r>
+            <a:r>
+              <a:rPr lang="en-US" b="1" dirty="0"/>
+              <a:t>after</a:t>
+            </a:r>
+            <a:r>
+              <a:rPr lang="en-US" dirty="0"/>
+              <a:t> the </a:t>
+            </a:r>
+            <a:r>
+              <a:rPr lang="en-US" b="1" dirty="0"/>
+              <a:t>workshop</a:t>
             </a:r>
           </a:p>
         </p:txBody>
@@ -576,18 +573,18 @@
           <a:bodyPr/>
           <a:lstStyle/>
           <a:p>
-            <a:fld id="{7A507E9C-E9CF-45CC-A225-331D2025989C}" type="slidenum">
-              <a:rPr lang="en-GB" smtClean="0"/>
-              <a:t>1</a:t>
+            <a:fld id="{78BC1EB7-7629-FA4E-863B-FF4707D74CE2}" type="slidenum">
+              <a:rPr lang="en-US" smtClean="0"/>
+              <a:t>2</a:t>
             </a:fld>
-            <a:endParaRPr lang="en-GB" dirty="0"/>
+            <a:endParaRPr lang="en-US"/>
           </a:p>
         </p:txBody>
       </p:sp>
     </p:spTree>
     <p:extLst>
       <p:ext uri="{BB962C8B-B14F-4D97-AF65-F5344CB8AC3E}">
-        <p14:creationId xmlns:p14="http://schemas.microsoft.com/office/powerpoint/2010/main" val="810531775"/>
+        <p14:creationId xmlns:p14="http://schemas.microsoft.com/office/powerpoint/2010/main" val="2056628261"/>
       </p:ext>
     </p:extLst>
   </p:cSld>
@@ -642,33 +639,519 @@
           <a:lstStyle/>
           <a:p>
             <a:r>
-              <a:rPr lang="en-US" dirty="0"/>
-              <a:t>Because of its customizability, JMeter can be used to emulate pretty much anything, with some effort.</a:t>
-            </a:r>
-          </a:p>
-          <a:p>
-            <a:r>
-              <a:rPr lang="en-US" dirty="0"/>
-              <a:t>1: can be used to ensure your API calls are checked for error codes. Every time you receive one, JMeter will fail the test. </a:t>
-            </a:r>
-          </a:p>
-          <a:p>
-            <a:r>
-              <a:rPr lang="en-US" dirty="0"/>
-              <a:t>2: Can be used to measure your website performance when a specific amount of users browse through it, thus creating a realistic expected response times.</a:t>
-            </a:r>
-          </a:p>
-          <a:p>
-            <a:r>
-              <a:rPr lang="en-US" dirty="0"/>
-              <a:t>3: The above can be maintained by running constant checks (say, every day) and looking at the graphs. This will visually let you know whether you performance increases and decreases, and thus will guide your development strategy</a:t>
-            </a:r>
-          </a:p>
-          <a:p>
-            <a:r>
-              <a:rPr lang="en-US" dirty="0"/>
-              <a:t>4: With some creative coding, can be used to scan your website for all the endpoints it has available to the user. This allows to identify slow-performing sections of the website, and even the ones that occasionally return error codes.</a:t>
-            </a:r>
+              <a:rPr lang="en-GB" sz="1200" b="1" kern="1200" dirty="0">
+                <a:solidFill>
+                  <a:schemeClr val="tx1"/>
+                </a:solidFill>
+                <a:effectLst/>
+                <a:latin typeface="+mn-lt"/>
+                <a:ea typeface="+mn-ea"/>
+                <a:cs typeface="+mn-cs"/>
+              </a:rPr>
+              <a:t>Stage 1: </a:t>
+            </a:r>
+            <a:endParaRPr lang="en-GB" sz="1200" kern="1200" dirty="0">
+              <a:solidFill>
+                <a:schemeClr val="tx1"/>
+              </a:solidFill>
+              <a:effectLst/>
+              <a:latin typeface="+mn-lt"/>
+              <a:ea typeface="+mn-ea"/>
+              <a:cs typeface="+mn-cs"/>
+            </a:endParaRPr>
+          </a:p>
+          <a:p>
+            <a:r>
+              <a:rPr lang="en-GB" sz="1200" kern="1200" dirty="0">
+                <a:solidFill>
+                  <a:schemeClr val="tx1"/>
+                </a:solidFill>
+                <a:effectLst/>
+                <a:latin typeface="+mn-lt"/>
+                <a:ea typeface="+mn-ea"/>
+                <a:cs typeface="+mn-cs"/>
+              </a:rPr>
+              <a:t>	Create and measure single API request</a:t>
+            </a:r>
+          </a:p>
+          <a:p>
+            <a:r>
+              <a:rPr lang="en-GB" sz="1200" kern="1200" dirty="0">
+                <a:solidFill>
+                  <a:schemeClr val="tx1"/>
+                </a:solidFill>
+                <a:effectLst/>
+                <a:latin typeface="+mn-lt"/>
+                <a:ea typeface="+mn-ea"/>
+                <a:cs typeface="+mn-cs"/>
+              </a:rPr>
+              <a:t>		Describe what a thread is</a:t>
+            </a:r>
+          </a:p>
+          <a:p>
+            <a:r>
+              <a:rPr lang="en-GB" sz="1200" kern="1200" dirty="0">
+                <a:solidFill>
+                  <a:schemeClr val="tx1"/>
+                </a:solidFill>
+                <a:effectLst/>
+                <a:latin typeface="+mn-lt"/>
+                <a:ea typeface="+mn-ea"/>
+                <a:cs typeface="+mn-cs"/>
+              </a:rPr>
+              <a:t>		Add an HTTP sampler (enter protocol and website manually) https, </a:t>
+            </a:r>
+            <a:r>
+              <a:rPr lang="en-GB" sz="1200" kern="1200" dirty="0">
+                <a:solidFill>
+                  <a:schemeClr val="tx1"/>
+                </a:solidFill>
+                <a:effectLst/>
+                <a:latin typeface="+mn-lt"/>
+                <a:ea typeface="+mn-ea"/>
+                <a:cs typeface="+mn-cs"/>
+                <a:hlinkClick r:id="rId3"/>
+              </a:rPr>
+              <a:t>https://www.crawler-test.com/</a:t>
+            </a:r>
+            <a:endParaRPr lang="en-GB" sz="1200" kern="1200" dirty="0">
+              <a:solidFill>
+                <a:schemeClr val="tx1"/>
+              </a:solidFill>
+              <a:effectLst/>
+              <a:latin typeface="+mn-lt"/>
+              <a:ea typeface="+mn-ea"/>
+              <a:cs typeface="+mn-cs"/>
+            </a:endParaRPr>
+          </a:p>
+          <a:p>
+            <a:r>
+              <a:rPr lang="en-GB" sz="1200" kern="1200" dirty="0">
+                <a:solidFill>
+                  <a:schemeClr val="tx1"/>
+                </a:solidFill>
+                <a:effectLst/>
+                <a:latin typeface="+mn-lt"/>
+                <a:ea typeface="+mn-ea"/>
+                <a:cs typeface="+mn-cs"/>
+              </a:rPr>
+              <a:t>		Describe requests (and can be affected by a pre-processor)</a:t>
+            </a:r>
+          </a:p>
+          <a:p>
+            <a:r>
+              <a:rPr lang="en-GB" sz="1200" kern="1200" dirty="0">
+                <a:solidFill>
+                  <a:schemeClr val="tx1"/>
+                </a:solidFill>
+                <a:effectLst/>
+                <a:latin typeface="+mn-lt"/>
+                <a:ea typeface="+mn-ea"/>
+                <a:cs typeface="+mn-cs"/>
+              </a:rPr>
+              <a:t>		Describe responses (and can be affected by a post-processor)</a:t>
+            </a:r>
+          </a:p>
+          <a:p>
+            <a:r>
+              <a:rPr lang="en-GB" sz="1200" kern="1200" dirty="0">
+                <a:solidFill>
+                  <a:schemeClr val="tx1"/>
+                </a:solidFill>
+                <a:effectLst/>
+                <a:latin typeface="+mn-lt"/>
+                <a:ea typeface="+mn-ea"/>
+                <a:cs typeface="+mn-cs"/>
+              </a:rPr>
+              <a:t>		Add a simple listener</a:t>
+            </a:r>
+          </a:p>
+          <a:p>
+            <a:r>
+              <a:rPr lang="en-GB" sz="1200" kern="1200" dirty="0">
+                <a:solidFill>
+                  <a:schemeClr val="tx1"/>
+                </a:solidFill>
+                <a:effectLst/>
+                <a:latin typeface="+mn-lt"/>
+                <a:ea typeface="+mn-ea"/>
+                <a:cs typeface="+mn-cs"/>
+              </a:rPr>
+              <a:t>		Add a loop logic controller and describe what it does</a:t>
+            </a:r>
+          </a:p>
+          <a:p>
+            <a:r>
+              <a:rPr lang="en-GB" sz="1200" kern="1200" dirty="0">
+                <a:solidFill>
+                  <a:schemeClr val="tx1"/>
+                </a:solidFill>
+                <a:effectLst/>
+                <a:latin typeface="+mn-lt"/>
+                <a:ea typeface="+mn-ea"/>
+                <a:cs typeface="+mn-cs"/>
+              </a:rPr>
+              <a:t> </a:t>
+            </a:r>
+          </a:p>
+          <a:p>
+            <a:r>
+              <a:rPr lang="en-GB" sz="1200" b="1" kern="1200" dirty="0">
+                <a:solidFill>
+                  <a:schemeClr val="tx1"/>
+                </a:solidFill>
+                <a:effectLst/>
+                <a:latin typeface="+mn-lt"/>
+                <a:ea typeface="+mn-ea"/>
+                <a:cs typeface="+mn-cs"/>
+              </a:rPr>
+              <a:t>Stage 2:</a:t>
+            </a:r>
+            <a:endParaRPr lang="en-GB" sz="1200" kern="1200" dirty="0">
+              <a:solidFill>
+                <a:schemeClr val="tx1"/>
+              </a:solidFill>
+              <a:effectLst/>
+              <a:latin typeface="+mn-lt"/>
+              <a:ea typeface="+mn-ea"/>
+              <a:cs typeface="+mn-cs"/>
+            </a:endParaRPr>
+          </a:p>
+          <a:p>
+            <a:r>
+              <a:rPr lang="en-GB" sz="1200" kern="1200" dirty="0">
+                <a:solidFill>
+                  <a:schemeClr val="tx1"/>
+                </a:solidFill>
+                <a:effectLst/>
+                <a:latin typeface="+mn-lt"/>
+                <a:ea typeface="+mn-ea"/>
+                <a:cs typeface="+mn-cs"/>
+              </a:rPr>
+              <a:t>	Amend the previous stage to add more API requests</a:t>
+            </a:r>
+          </a:p>
+          <a:p>
+            <a:r>
+              <a:rPr lang="en-GB" sz="1200" kern="1200" dirty="0">
+                <a:solidFill>
+                  <a:schemeClr val="tx1"/>
+                </a:solidFill>
+                <a:effectLst/>
+                <a:latin typeface="+mn-lt"/>
+                <a:ea typeface="+mn-ea"/>
+                <a:cs typeface="+mn-cs"/>
+              </a:rPr>
+              <a:t>		Add another thread group</a:t>
+            </a:r>
+          </a:p>
+          <a:p>
+            <a:r>
+              <a:rPr lang="en-GB" sz="1200" kern="1200" dirty="0">
+                <a:solidFill>
+                  <a:schemeClr val="tx1"/>
+                </a:solidFill>
+                <a:effectLst/>
+                <a:latin typeface="+mn-lt"/>
+                <a:ea typeface="+mn-ea"/>
+                <a:cs typeface="+mn-cs"/>
+              </a:rPr>
+              <a:t>		Add another sampler</a:t>
+            </a:r>
+          </a:p>
+          <a:p>
+            <a:r>
+              <a:rPr lang="en-GB" sz="1200" kern="1200" dirty="0">
+                <a:solidFill>
+                  <a:schemeClr val="tx1"/>
+                </a:solidFill>
+                <a:effectLst/>
+                <a:latin typeface="+mn-lt"/>
+                <a:ea typeface="+mn-ea"/>
+                <a:cs typeface="+mn-cs"/>
+              </a:rPr>
+              <a:t>		Rename both samplers to differ</a:t>
+            </a:r>
+          </a:p>
+          <a:p>
+            <a:r>
+              <a:rPr lang="en-GB" sz="1200" kern="1200" dirty="0">
+                <a:solidFill>
+                  <a:schemeClr val="tx1"/>
+                </a:solidFill>
+                <a:effectLst/>
+                <a:latin typeface="+mn-lt"/>
+                <a:ea typeface="+mn-ea"/>
+                <a:cs typeface="+mn-cs"/>
+              </a:rPr>
+              <a:t>		Export the protocol and processor into a variable</a:t>
+            </a:r>
+          </a:p>
+          <a:p>
+            <a:r>
+              <a:rPr lang="en-GB" sz="1200" kern="1200" dirty="0">
+                <a:solidFill>
+                  <a:schemeClr val="tx1"/>
+                </a:solidFill>
+                <a:effectLst/>
+                <a:latin typeface="+mn-lt"/>
+                <a:ea typeface="+mn-ea"/>
+                <a:cs typeface="+mn-cs"/>
+              </a:rPr>
+              <a:t>		Apply those to the first sampler</a:t>
+            </a:r>
+          </a:p>
+          <a:p>
+            <a:r>
+              <a:rPr lang="en-GB" sz="1200" kern="1200" dirty="0">
+                <a:solidFill>
+                  <a:schemeClr val="tx1"/>
+                </a:solidFill>
+                <a:effectLst/>
+                <a:latin typeface="+mn-lt"/>
+                <a:ea typeface="+mn-ea"/>
+                <a:cs typeface="+mn-cs"/>
+              </a:rPr>
+              <a:t>		Run both and see the error</a:t>
+            </a:r>
+          </a:p>
+          <a:p>
+            <a:r>
+              <a:rPr lang="en-GB" sz="1200" kern="1200" dirty="0">
+                <a:solidFill>
+                  <a:schemeClr val="tx1"/>
+                </a:solidFill>
+                <a:effectLst/>
+                <a:latin typeface="+mn-lt"/>
+                <a:ea typeface="+mn-ea"/>
+                <a:cs typeface="+mn-cs"/>
+              </a:rPr>
+              <a:t>		Simple listener: not enough</a:t>
+            </a:r>
+          </a:p>
+          <a:p>
+            <a:r>
+              <a:rPr lang="en-GB" sz="1200" kern="1200" dirty="0">
+                <a:solidFill>
+                  <a:schemeClr val="tx1"/>
+                </a:solidFill>
+                <a:effectLst/>
+                <a:latin typeface="+mn-lt"/>
+                <a:ea typeface="+mn-ea"/>
+                <a:cs typeface="+mn-cs"/>
+              </a:rPr>
+              <a:t>		Add an aggregate listener, explain what it does</a:t>
+            </a:r>
+          </a:p>
+          <a:p>
+            <a:r>
+              <a:rPr lang="en-GB" sz="1200" kern="1200" dirty="0">
+                <a:solidFill>
+                  <a:schemeClr val="tx1"/>
+                </a:solidFill>
+                <a:effectLst/>
+                <a:latin typeface="+mn-lt"/>
+                <a:ea typeface="+mn-ea"/>
+                <a:cs typeface="+mn-cs"/>
+              </a:rPr>
+              <a:t>		</a:t>
+            </a:r>
+          </a:p>
+          <a:p>
+            <a:r>
+              <a:rPr lang="en-GB" sz="1200" b="1" kern="1200" dirty="0">
+                <a:solidFill>
+                  <a:schemeClr val="tx1"/>
+                </a:solidFill>
+                <a:effectLst/>
+                <a:latin typeface="+mn-lt"/>
+                <a:ea typeface="+mn-ea"/>
+                <a:cs typeface="+mn-cs"/>
+              </a:rPr>
+              <a:t>Stage 3:</a:t>
+            </a:r>
+            <a:endParaRPr lang="en-GB" sz="1200" kern="1200" dirty="0">
+              <a:solidFill>
+                <a:schemeClr val="tx1"/>
+              </a:solidFill>
+              <a:effectLst/>
+              <a:latin typeface="+mn-lt"/>
+              <a:ea typeface="+mn-ea"/>
+              <a:cs typeface="+mn-cs"/>
+            </a:endParaRPr>
+          </a:p>
+          <a:p>
+            <a:r>
+              <a:rPr lang="en-GB" sz="1200" kern="1200" dirty="0">
+                <a:solidFill>
+                  <a:schemeClr val="tx1"/>
+                </a:solidFill>
+                <a:effectLst/>
+                <a:latin typeface="+mn-lt"/>
+                <a:ea typeface="+mn-ea"/>
+                <a:cs typeface="+mn-cs"/>
+              </a:rPr>
+              <a:t>	Talk about listeners</a:t>
+            </a:r>
+          </a:p>
+          <a:p>
+            <a:r>
+              <a:rPr lang="en-GB" sz="1200" kern="1200" dirty="0">
+                <a:solidFill>
+                  <a:schemeClr val="tx1"/>
+                </a:solidFill>
+                <a:effectLst/>
+                <a:latin typeface="+mn-lt"/>
+                <a:ea typeface="+mn-ea"/>
+                <a:cs typeface="+mn-cs"/>
+              </a:rPr>
+              <a:t>	Add a summary listener</a:t>
+            </a:r>
+          </a:p>
+          <a:p>
+            <a:r>
+              <a:rPr lang="en-GB" sz="1200" kern="1200" dirty="0">
+                <a:solidFill>
+                  <a:schemeClr val="tx1"/>
+                </a:solidFill>
+                <a:effectLst/>
+                <a:latin typeface="+mn-lt"/>
+                <a:ea typeface="+mn-ea"/>
+                <a:cs typeface="+mn-cs"/>
+              </a:rPr>
+              <a:t>	Add a graph results listener</a:t>
+            </a:r>
+          </a:p>
+          <a:p>
+            <a:endParaRPr lang="en-GB" sz="1200" kern="1200" dirty="0">
+              <a:solidFill>
+                <a:schemeClr val="tx1"/>
+              </a:solidFill>
+              <a:effectLst/>
+              <a:latin typeface="+mn-lt"/>
+              <a:ea typeface="+mn-ea"/>
+              <a:cs typeface="+mn-cs"/>
+            </a:endParaRPr>
+          </a:p>
+          <a:p>
+            <a:r>
+              <a:rPr lang="en-GB" sz="1200" b="1" kern="1200" dirty="0">
+                <a:solidFill>
+                  <a:schemeClr val="tx1"/>
+                </a:solidFill>
+                <a:effectLst/>
+                <a:latin typeface="+mn-lt"/>
+                <a:ea typeface="+mn-ea"/>
+                <a:cs typeface="+mn-cs"/>
+              </a:rPr>
+              <a:t>Stage 4:</a:t>
+            </a:r>
+          </a:p>
+          <a:p>
+            <a:r>
+              <a:rPr lang="en-GB" sz="1200" b="0" kern="1200" dirty="0">
+                <a:solidFill>
+                  <a:schemeClr val="tx1"/>
+                </a:solidFill>
+                <a:effectLst/>
+                <a:latin typeface="+mn-lt"/>
+                <a:ea typeface="+mn-ea"/>
+                <a:cs typeface="+mn-cs"/>
+              </a:rPr>
+              <a:t>	Open the web crawler file</a:t>
+            </a:r>
+          </a:p>
+          <a:p>
+            <a:r>
+              <a:rPr lang="en-GB" sz="1200" b="0" kern="1200" dirty="0">
+                <a:solidFill>
+                  <a:schemeClr val="tx1"/>
+                </a:solidFill>
+                <a:effectLst/>
+                <a:latin typeface="+mn-lt"/>
+                <a:ea typeface="+mn-ea"/>
+                <a:cs typeface="+mn-cs"/>
+              </a:rPr>
+              <a:t>	Explain briefly what are pre and post processors</a:t>
+            </a:r>
+          </a:p>
+          <a:p>
+            <a:r>
+              <a:rPr lang="en-GB" sz="1200" b="0" kern="1200" dirty="0">
+                <a:solidFill>
+                  <a:schemeClr val="tx1"/>
+                </a:solidFill>
+                <a:effectLst/>
+                <a:latin typeface="+mn-lt"/>
+                <a:ea typeface="+mn-ea"/>
+                <a:cs typeface="+mn-cs"/>
+              </a:rPr>
+              <a:t>	Ask users to do the following:</a:t>
+            </a:r>
+          </a:p>
+          <a:p>
+            <a:r>
+              <a:rPr lang="en-GB" sz="1200" b="0" kern="1200" dirty="0">
+                <a:solidFill>
+                  <a:schemeClr val="tx1"/>
+                </a:solidFill>
+                <a:effectLst/>
+                <a:latin typeface="+mn-lt"/>
+                <a:ea typeface="+mn-ea"/>
+                <a:cs typeface="+mn-cs"/>
+              </a:rPr>
+              <a:t>		Extract the website name to a variable</a:t>
+            </a:r>
+          </a:p>
+          <a:p>
+            <a:r>
+              <a:rPr lang="en-GB" sz="1200" b="0" kern="1200" dirty="0">
+                <a:solidFill>
+                  <a:schemeClr val="tx1"/>
+                </a:solidFill>
+                <a:effectLst/>
+                <a:latin typeface="+mn-lt"/>
+                <a:ea typeface="+mn-ea"/>
+                <a:cs typeface="+mn-cs"/>
+              </a:rPr>
+              <a:t>		Add visualisers and save results into a file</a:t>
+            </a:r>
+          </a:p>
+          <a:p>
+            <a:r>
+              <a:rPr lang="en-GB" sz="1200" b="0" kern="1200" dirty="0">
+                <a:solidFill>
+                  <a:schemeClr val="tx1"/>
+                </a:solidFill>
+                <a:effectLst/>
+                <a:latin typeface="+mn-lt"/>
+                <a:ea typeface="+mn-ea"/>
+                <a:cs typeface="+mn-cs"/>
+              </a:rPr>
+              <a:t>		Try to identify why the crawling is so slow</a:t>
+            </a:r>
+          </a:p>
+          <a:p>
+            <a:endParaRPr lang="en-GB" sz="1200" b="1" kern="1200" dirty="0">
+              <a:solidFill>
+                <a:schemeClr val="tx1"/>
+              </a:solidFill>
+              <a:effectLst/>
+              <a:latin typeface="+mn-lt"/>
+              <a:ea typeface="+mn-ea"/>
+              <a:cs typeface="+mn-cs"/>
+            </a:endParaRPr>
+          </a:p>
+          <a:p>
+            <a:endParaRPr lang="en-GB" sz="1200" b="1" kern="1200" dirty="0">
+              <a:solidFill>
+                <a:schemeClr val="tx1"/>
+              </a:solidFill>
+              <a:effectLst/>
+              <a:latin typeface="+mn-lt"/>
+              <a:ea typeface="+mn-ea"/>
+              <a:cs typeface="+mn-cs"/>
+            </a:endParaRPr>
           </a:p>
         </p:txBody>
       </p:sp>
@@ -698,7 +1181,7 @@
     </p:spTree>
     <p:extLst>
       <p:ext uri="{BB962C8B-B14F-4D97-AF65-F5344CB8AC3E}">
-        <p14:creationId xmlns:p14="http://schemas.microsoft.com/office/powerpoint/2010/main" val="2746894620"/>
+        <p14:creationId xmlns:p14="http://schemas.microsoft.com/office/powerpoint/2010/main" val="622392183"/>
       </p:ext>
     </p:extLst>
   </p:cSld>
@@ -753,519 +1236,9 @@
           <a:lstStyle/>
           <a:p>
             <a:r>
-              <a:rPr lang="en-GB" sz="1200" b="1" kern="1200" dirty="0">
-                <a:solidFill>
-                  <a:schemeClr val="tx1"/>
-                </a:solidFill>
-                <a:effectLst/>
-                <a:latin typeface="+mn-lt"/>
-                <a:ea typeface="+mn-ea"/>
-                <a:cs typeface="+mn-cs"/>
-              </a:rPr>
-              <a:t>Stage 1: </a:t>
-            </a:r>
-            <a:endParaRPr lang="en-GB" sz="1200" kern="1200" dirty="0">
-              <a:solidFill>
-                <a:schemeClr val="tx1"/>
-              </a:solidFill>
-              <a:effectLst/>
-              <a:latin typeface="+mn-lt"/>
-              <a:ea typeface="+mn-ea"/>
-              <a:cs typeface="+mn-cs"/>
-            </a:endParaRPr>
-          </a:p>
-          <a:p>
-            <a:r>
-              <a:rPr lang="en-GB" sz="1200" kern="1200" dirty="0">
-                <a:solidFill>
-                  <a:schemeClr val="tx1"/>
-                </a:solidFill>
-                <a:effectLst/>
-                <a:latin typeface="+mn-lt"/>
-                <a:ea typeface="+mn-ea"/>
-                <a:cs typeface="+mn-cs"/>
-              </a:rPr>
-              <a:t>	Create and measure single API request</a:t>
-            </a:r>
-          </a:p>
-          <a:p>
-            <a:r>
-              <a:rPr lang="en-GB" sz="1200" kern="1200" dirty="0">
-                <a:solidFill>
-                  <a:schemeClr val="tx1"/>
-                </a:solidFill>
-                <a:effectLst/>
-                <a:latin typeface="+mn-lt"/>
-                <a:ea typeface="+mn-ea"/>
-                <a:cs typeface="+mn-cs"/>
-              </a:rPr>
-              <a:t>		Describe what a thread is</a:t>
-            </a:r>
-          </a:p>
-          <a:p>
-            <a:r>
-              <a:rPr lang="en-GB" sz="1200" kern="1200" dirty="0">
-                <a:solidFill>
-                  <a:schemeClr val="tx1"/>
-                </a:solidFill>
-                <a:effectLst/>
-                <a:latin typeface="+mn-lt"/>
-                <a:ea typeface="+mn-ea"/>
-                <a:cs typeface="+mn-cs"/>
-              </a:rPr>
-              <a:t>		Add an HTTP sampler (enter protocol and website manually) https, </a:t>
-            </a:r>
-            <a:r>
-              <a:rPr lang="en-GB" sz="1200" kern="1200" dirty="0">
-                <a:solidFill>
-                  <a:schemeClr val="tx1"/>
-                </a:solidFill>
-                <a:effectLst/>
-                <a:latin typeface="+mn-lt"/>
-                <a:ea typeface="+mn-ea"/>
-                <a:cs typeface="+mn-cs"/>
-                <a:hlinkClick r:id="rId3"/>
-              </a:rPr>
-              <a:t>https://www.crawler-test.com/</a:t>
-            </a:r>
-            <a:endParaRPr lang="en-GB" sz="1200" kern="1200" dirty="0">
-              <a:solidFill>
-                <a:schemeClr val="tx1"/>
-              </a:solidFill>
-              <a:effectLst/>
-              <a:latin typeface="+mn-lt"/>
-              <a:ea typeface="+mn-ea"/>
-              <a:cs typeface="+mn-cs"/>
-            </a:endParaRPr>
-          </a:p>
-          <a:p>
-            <a:r>
-              <a:rPr lang="en-GB" sz="1200" kern="1200" dirty="0">
-                <a:solidFill>
-                  <a:schemeClr val="tx1"/>
-                </a:solidFill>
-                <a:effectLst/>
-                <a:latin typeface="+mn-lt"/>
-                <a:ea typeface="+mn-ea"/>
-                <a:cs typeface="+mn-cs"/>
-              </a:rPr>
-              <a:t>		Describe requests (and can be affected by a pre-processor)</a:t>
-            </a:r>
-          </a:p>
-          <a:p>
-            <a:r>
-              <a:rPr lang="en-GB" sz="1200" kern="1200" dirty="0">
-                <a:solidFill>
-                  <a:schemeClr val="tx1"/>
-                </a:solidFill>
-                <a:effectLst/>
-                <a:latin typeface="+mn-lt"/>
-                <a:ea typeface="+mn-ea"/>
-                <a:cs typeface="+mn-cs"/>
-              </a:rPr>
-              <a:t>		Describe responses (and can be affected by a post-processor)</a:t>
-            </a:r>
-          </a:p>
-          <a:p>
-            <a:r>
-              <a:rPr lang="en-GB" sz="1200" kern="1200" dirty="0">
-                <a:solidFill>
-                  <a:schemeClr val="tx1"/>
-                </a:solidFill>
-                <a:effectLst/>
-                <a:latin typeface="+mn-lt"/>
-                <a:ea typeface="+mn-ea"/>
-                <a:cs typeface="+mn-cs"/>
-              </a:rPr>
-              <a:t>		Add a simple listener</a:t>
-            </a:r>
-          </a:p>
-          <a:p>
-            <a:r>
-              <a:rPr lang="en-GB" sz="1200" kern="1200" dirty="0">
-                <a:solidFill>
-                  <a:schemeClr val="tx1"/>
-                </a:solidFill>
-                <a:effectLst/>
-                <a:latin typeface="+mn-lt"/>
-                <a:ea typeface="+mn-ea"/>
-                <a:cs typeface="+mn-cs"/>
-              </a:rPr>
-              <a:t>		Add a loop logic controller and describe what it does</a:t>
-            </a:r>
-          </a:p>
-          <a:p>
-            <a:r>
-              <a:rPr lang="en-GB" sz="1200" kern="1200" dirty="0">
-                <a:solidFill>
-                  <a:schemeClr val="tx1"/>
-                </a:solidFill>
-                <a:effectLst/>
-                <a:latin typeface="+mn-lt"/>
-                <a:ea typeface="+mn-ea"/>
-                <a:cs typeface="+mn-cs"/>
-              </a:rPr>
-              <a:t> </a:t>
-            </a:r>
-          </a:p>
-          <a:p>
-            <a:r>
-              <a:rPr lang="en-GB" sz="1200" b="1" kern="1200" dirty="0">
-                <a:solidFill>
-                  <a:schemeClr val="tx1"/>
-                </a:solidFill>
-                <a:effectLst/>
-                <a:latin typeface="+mn-lt"/>
-                <a:ea typeface="+mn-ea"/>
-                <a:cs typeface="+mn-cs"/>
-              </a:rPr>
-              <a:t>Stage 2:</a:t>
-            </a:r>
-            <a:endParaRPr lang="en-GB" sz="1200" kern="1200" dirty="0">
-              <a:solidFill>
-                <a:schemeClr val="tx1"/>
-              </a:solidFill>
-              <a:effectLst/>
-              <a:latin typeface="+mn-lt"/>
-              <a:ea typeface="+mn-ea"/>
-              <a:cs typeface="+mn-cs"/>
-            </a:endParaRPr>
-          </a:p>
-          <a:p>
-            <a:r>
-              <a:rPr lang="en-GB" sz="1200" kern="1200" dirty="0">
-                <a:solidFill>
-                  <a:schemeClr val="tx1"/>
-                </a:solidFill>
-                <a:effectLst/>
-                <a:latin typeface="+mn-lt"/>
-                <a:ea typeface="+mn-ea"/>
-                <a:cs typeface="+mn-cs"/>
-              </a:rPr>
-              <a:t>	Amend the previous stage to add more API requests</a:t>
-            </a:r>
-          </a:p>
-          <a:p>
-            <a:r>
-              <a:rPr lang="en-GB" sz="1200" kern="1200" dirty="0">
-                <a:solidFill>
-                  <a:schemeClr val="tx1"/>
-                </a:solidFill>
-                <a:effectLst/>
-                <a:latin typeface="+mn-lt"/>
-                <a:ea typeface="+mn-ea"/>
-                <a:cs typeface="+mn-cs"/>
-              </a:rPr>
-              <a:t>		Add another thread group</a:t>
-            </a:r>
-          </a:p>
-          <a:p>
-            <a:r>
-              <a:rPr lang="en-GB" sz="1200" kern="1200" dirty="0">
-                <a:solidFill>
-                  <a:schemeClr val="tx1"/>
-                </a:solidFill>
-                <a:effectLst/>
-                <a:latin typeface="+mn-lt"/>
-                <a:ea typeface="+mn-ea"/>
-                <a:cs typeface="+mn-cs"/>
-              </a:rPr>
-              <a:t>		Add another sampler</a:t>
-            </a:r>
-          </a:p>
-          <a:p>
-            <a:r>
-              <a:rPr lang="en-GB" sz="1200" kern="1200" dirty="0">
-                <a:solidFill>
-                  <a:schemeClr val="tx1"/>
-                </a:solidFill>
-                <a:effectLst/>
-                <a:latin typeface="+mn-lt"/>
-                <a:ea typeface="+mn-ea"/>
-                <a:cs typeface="+mn-cs"/>
-              </a:rPr>
-              <a:t>		Rename both samplers to differ</a:t>
-            </a:r>
-          </a:p>
-          <a:p>
-            <a:r>
-              <a:rPr lang="en-GB" sz="1200" kern="1200" dirty="0">
-                <a:solidFill>
-                  <a:schemeClr val="tx1"/>
-                </a:solidFill>
-                <a:effectLst/>
-                <a:latin typeface="+mn-lt"/>
-                <a:ea typeface="+mn-ea"/>
-                <a:cs typeface="+mn-cs"/>
-              </a:rPr>
-              <a:t>		Export the protocol and processor into a variable</a:t>
-            </a:r>
-          </a:p>
-          <a:p>
-            <a:r>
-              <a:rPr lang="en-GB" sz="1200" kern="1200" dirty="0">
-                <a:solidFill>
-                  <a:schemeClr val="tx1"/>
-                </a:solidFill>
-                <a:effectLst/>
-                <a:latin typeface="+mn-lt"/>
-                <a:ea typeface="+mn-ea"/>
-                <a:cs typeface="+mn-cs"/>
-              </a:rPr>
-              <a:t>		Apply those to the first sampler</a:t>
-            </a:r>
-          </a:p>
-          <a:p>
-            <a:r>
-              <a:rPr lang="en-GB" sz="1200" kern="1200" dirty="0">
-                <a:solidFill>
-                  <a:schemeClr val="tx1"/>
-                </a:solidFill>
-                <a:effectLst/>
-                <a:latin typeface="+mn-lt"/>
-                <a:ea typeface="+mn-ea"/>
-                <a:cs typeface="+mn-cs"/>
-              </a:rPr>
-              <a:t>		Run both and see the error</a:t>
-            </a:r>
-          </a:p>
-          <a:p>
-            <a:r>
-              <a:rPr lang="en-GB" sz="1200" kern="1200" dirty="0">
-                <a:solidFill>
-                  <a:schemeClr val="tx1"/>
-                </a:solidFill>
-                <a:effectLst/>
-                <a:latin typeface="+mn-lt"/>
-                <a:ea typeface="+mn-ea"/>
-                <a:cs typeface="+mn-cs"/>
-              </a:rPr>
-              <a:t>		Simple listener: not enough</a:t>
-            </a:r>
-          </a:p>
-          <a:p>
-            <a:r>
-              <a:rPr lang="en-GB" sz="1200" kern="1200" dirty="0">
-                <a:solidFill>
-                  <a:schemeClr val="tx1"/>
-                </a:solidFill>
-                <a:effectLst/>
-                <a:latin typeface="+mn-lt"/>
-                <a:ea typeface="+mn-ea"/>
-                <a:cs typeface="+mn-cs"/>
-              </a:rPr>
-              <a:t>		Add an aggregate listener, explain what it does</a:t>
-            </a:r>
-          </a:p>
-          <a:p>
-            <a:r>
-              <a:rPr lang="en-GB" sz="1200" kern="1200" dirty="0">
-                <a:solidFill>
-                  <a:schemeClr val="tx1"/>
-                </a:solidFill>
-                <a:effectLst/>
-                <a:latin typeface="+mn-lt"/>
-                <a:ea typeface="+mn-ea"/>
-                <a:cs typeface="+mn-cs"/>
-              </a:rPr>
-              <a:t>		</a:t>
-            </a:r>
-          </a:p>
-          <a:p>
-            <a:r>
-              <a:rPr lang="en-GB" sz="1200" b="1" kern="1200" dirty="0">
-                <a:solidFill>
-                  <a:schemeClr val="tx1"/>
-                </a:solidFill>
-                <a:effectLst/>
-                <a:latin typeface="+mn-lt"/>
-                <a:ea typeface="+mn-ea"/>
-                <a:cs typeface="+mn-cs"/>
-              </a:rPr>
-              <a:t>Stage 3:</a:t>
-            </a:r>
-            <a:endParaRPr lang="en-GB" sz="1200" kern="1200" dirty="0">
-              <a:solidFill>
-                <a:schemeClr val="tx1"/>
-              </a:solidFill>
-              <a:effectLst/>
-              <a:latin typeface="+mn-lt"/>
-              <a:ea typeface="+mn-ea"/>
-              <a:cs typeface="+mn-cs"/>
-            </a:endParaRPr>
-          </a:p>
-          <a:p>
-            <a:r>
-              <a:rPr lang="en-GB" sz="1200" kern="1200" dirty="0">
-                <a:solidFill>
-                  <a:schemeClr val="tx1"/>
-                </a:solidFill>
-                <a:effectLst/>
-                <a:latin typeface="+mn-lt"/>
-                <a:ea typeface="+mn-ea"/>
-                <a:cs typeface="+mn-cs"/>
-              </a:rPr>
-              <a:t>	Talk about listeners</a:t>
-            </a:r>
-          </a:p>
-          <a:p>
-            <a:r>
-              <a:rPr lang="en-GB" sz="1200" kern="1200" dirty="0">
-                <a:solidFill>
-                  <a:schemeClr val="tx1"/>
-                </a:solidFill>
-                <a:effectLst/>
-                <a:latin typeface="+mn-lt"/>
-                <a:ea typeface="+mn-ea"/>
-                <a:cs typeface="+mn-cs"/>
-              </a:rPr>
-              <a:t>	Add a summary listener</a:t>
-            </a:r>
-          </a:p>
-          <a:p>
-            <a:r>
-              <a:rPr lang="en-GB" sz="1200" kern="1200" dirty="0">
-                <a:solidFill>
-                  <a:schemeClr val="tx1"/>
-                </a:solidFill>
-                <a:effectLst/>
-                <a:latin typeface="+mn-lt"/>
-                <a:ea typeface="+mn-ea"/>
-                <a:cs typeface="+mn-cs"/>
-              </a:rPr>
-              <a:t>	Add a graph results listener</a:t>
-            </a:r>
-          </a:p>
-          <a:p>
-            <a:endParaRPr lang="en-GB" sz="1200" kern="1200" dirty="0">
-              <a:solidFill>
-                <a:schemeClr val="tx1"/>
-              </a:solidFill>
-              <a:effectLst/>
-              <a:latin typeface="+mn-lt"/>
-              <a:ea typeface="+mn-ea"/>
-              <a:cs typeface="+mn-cs"/>
-            </a:endParaRPr>
-          </a:p>
-          <a:p>
-            <a:r>
-              <a:rPr lang="en-GB" sz="1200" b="1" kern="1200" dirty="0">
-                <a:solidFill>
-                  <a:schemeClr val="tx1"/>
-                </a:solidFill>
-                <a:effectLst/>
-                <a:latin typeface="+mn-lt"/>
-                <a:ea typeface="+mn-ea"/>
-                <a:cs typeface="+mn-cs"/>
-              </a:rPr>
-              <a:t>Stage 4:</a:t>
-            </a:r>
-          </a:p>
-          <a:p>
-            <a:r>
-              <a:rPr lang="en-GB" sz="1200" b="0" kern="1200" dirty="0">
-                <a:solidFill>
-                  <a:schemeClr val="tx1"/>
-                </a:solidFill>
-                <a:effectLst/>
-                <a:latin typeface="+mn-lt"/>
-                <a:ea typeface="+mn-ea"/>
-                <a:cs typeface="+mn-cs"/>
-              </a:rPr>
-              <a:t>	Open the web crawler file</a:t>
-            </a:r>
-          </a:p>
-          <a:p>
-            <a:r>
-              <a:rPr lang="en-GB" sz="1200" b="0" kern="1200" dirty="0">
-                <a:solidFill>
-                  <a:schemeClr val="tx1"/>
-                </a:solidFill>
-                <a:effectLst/>
-                <a:latin typeface="+mn-lt"/>
-                <a:ea typeface="+mn-ea"/>
-                <a:cs typeface="+mn-cs"/>
-              </a:rPr>
-              <a:t>	Explain briefly what are pre and post processors</a:t>
-            </a:r>
-          </a:p>
-          <a:p>
-            <a:r>
-              <a:rPr lang="en-GB" sz="1200" b="0" kern="1200" dirty="0">
-                <a:solidFill>
-                  <a:schemeClr val="tx1"/>
-                </a:solidFill>
-                <a:effectLst/>
-                <a:latin typeface="+mn-lt"/>
-                <a:ea typeface="+mn-ea"/>
-                <a:cs typeface="+mn-cs"/>
-              </a:rPr>
-              <a:t>	Ask users to do the following:</a:t>
-            </a:r>
-          </a:p>
-          <a:p>
-            <a:r>
-              <a:rPr lang="en-GB" sz="1200" b="0" kern="1200" dirty="0">
-                <a:solidFill>
-                  <a:schemeClr val="tx1"/>
-                </a:solidFill>
-                <a:effectLst/>
-                <a:latin typeface="+mn-lt"/>
-                <a:ea typeface="+mn-ea"/>
-                <a:cs typeface="+mn-cs"/>
-              </a:rPr>
-              <a:t>		Extract the website name to a variable</a:t>
-            </a:r>
-          </a:p>
-          <a:p>
-            <a:r>
-              <a:rPr lang="en-GB" sz="1200" b="0" kern="1200" dirty="0">
-                <a:solidFill>
-                  <a:schemeClr val="tx1"/>
-                </a:solidFill>
-                <a:effectLst/>
-                <a:latin typeface="+mn-lt"/>
-                <a:ea typeface="+mn-ea"/>
-                <a:cs typeface="+mn-cs"/>
-              </a:rPr>
-              <a:t>		Add visualisers and save results into a file</a:t>
-            </a:r>
-          </a:p>
-          <a:p>
-            <a:r>
-              <a:rPr lang="en-GB" sz="1200" b="0" kern="1200" dirty="0">
-                <a:solidFill>
-                  <a:schemeClr val="tx1"/>
-                </a:solidFill>
-                <a:effectLst/>
-                <a:latin typeface="+mn-lt"/>
-                <a:ea typeface="+mn-ea"/>
-                <a:cs typeface="+mn-cs"/>
-              </a:rPr>
-              <a:t>		Try to identify why the crawling is so slow</a:t>
-            </a:r>
-          </a:p>
-          <a:p>
-            <a:endParaRPr lang="en-GB" sz="1200" b="1" kern="1200" dirty="0">
-              <a:solidFill>
-                <a:schemeClr val="tx1"/>
-              </a:solidFill>
-              <a:effectLst/>
-              <a:latin typeface="+mn-lt"/>
-              <a:ea typeface="+mn-ea"/>
-              <a:cs typeface="+mn-cs"/>
-            </a:endParaRPr>
-          </a:p>
-          <a:p>
-            <a:endParaRPr lang="en-GB" sz="1200" b="1" kern="1200" dirty="0">
-              <a:solidFill>
-                <a:schemeClr val="tx1"/>
-              </a:solidFill>
-              <a:effectLst/>
-              <a:latin typeface="+mn-lt"/>
-              <a:ea typeface="+mn-ea"/>
-              <a:cs typeface="+mn-cs"/>
-            </a:endParaRPr>
+              <a:rPr lang="en-US" dirty="0"/>
+              <a:t>Describe that the Graphs in JMeter are convenient, but isn’t the only way of displaying the gathered data</a:t>
+            </a:r>
           </a:p>
         </p:txBody>
       </p:sp>
@@ -1286,7 +1259,7 @@
           <a:p>
             <a:fld id="{78BC1EB7-7629-FA4E-863B-FF4707D74CE2}" type="slidenum">
               <a:rPr lang="en-US" smtClean="0"/>
-              <a:t>13</a:t>
+              <a:t>12</a:t>
             </a:fld>
             <a:endParaRPr lang="en-US"/>
           </a:p>
@@ -1295,7 +1268,7 @@
     </p:spTree>
     <p:extLst>
       <p:ext uri="{BB962C8B-B14F-4D97-AF65-F5344CB8AC3E}">
-        <p14:creationId xmlns:p14="http://schemas.microsoft.com/office/powerpoint/2010/main" val="622392183"/>
+        <p14:creationId xmlns:p14="http://schemas.microsoft.com/office/powerpoint/2010/main" val="1694652926"/>
       </p:ext>
     </p:extLst>
   </p:cSld>
@@ -1349,6 +1322,28 @@
           <a:bodyPr/>
           <a:lstStyle/>
           <a:p>
+            <a:r>
+              <a:rPr lang="en-US" dirty="0"/>
+              <a:t>Explain how </a:t>
+            </a:r>
+            <a:r>
+              <a:rPr lang="en-US" dirty="0" err="1"/>
+              <a:t>Jmeter</a:t>
+            </a:r>
+            <a:r>
+              <a:rPr lang="en-US" dirty="0"/>
+              <a:t> can be integrated into Jenkins using the available Jenkins plugins (i.e. </a:t>
+            </a:r>
+            <a:r>
+              <a:rPr lang="en-GB" dirty="0">
+                <a:hlinkClick r:id="rId3"/>
+              </a:rPr>
+              <a:t>https://wiki.jenkins.io/display/JENKINS/JMeter+Plugin</a:t>
+            </a:r>
+            <a:r>
+              <a:rPr lang="en-GB" dirty="0"/>
+              <a:t>)</a:t>
+            </a:r>
             <a:endParaRPr lang="en-US" dirty="0"/>
           </a:p>
         </p:txBody>
@@ -1370,7 +1365,7 @@
           <a:p>
             <a:fld id="{78BC1EB7-7629-FA4E-863B-FF4707D74CE2}" type="slidenum">
               <a:rPr lang="en-US" smtClean="0"/>
-              <a:t>17</a:t>
+              <a:t>13</a:t>
             </a:fld>
             <a:endParaRPr lang="en-US"/>
           </a:p>
@@ -1379,7 +1374,7 @@
     </p:spTree>
     <p:extLst>
       <p:ext uri="{BB962C8B-B14F-4D97-AF65-F5344CB8AC3E}">
-        <p14:creationId xmlns:p14="http://schemas.microsoft.com/office/powerpoint/2010/main" val="3585357186"/>
+        <p14:creationId xmlns:p14="http://schemas.microsoft.com/office/powerpoint/2010/main" val="4242179443"/>
       </p:ext>
     </p:extLst>
   </p:cSld>
@@ -1433,7 +1428,10 @@
           <a:bodyPr/>
           <a:lstStyle/>
           <a:p>
-            <a:endParaRPr lang="en-US" dirty="0"/>
+            <a:r>
+              <a:rPr lang="en-US" dirty="0"/>
+              <a:t>Raw data can be also exported in *.csv format, and thus can be presented in spreadsheets, such as excel</a:t>
+            </a:r>
           </a:p>
         </p:txBody>
       </p:sp>
@@ -1454,7 +1452,175 @@
           <a:p>
             <a:fld id="{78BC1EB7-7629-FA4E-863B-FF4707D74CE2}" type="slidenum">
               <a:rPr lang="en-US" smtClean="0"/>
-              <a:t>18</a:t>
+              <a:t>14</a:t>
+            </a:fld>
+            <a:endParaRPr lang="en-US"/>
+          </a:p>
+        </p:txBody>
+      </p:sp>
+    </p:spTree>
+    <p:extLst>
+      <p:ext uri="{BB962C8B-B14F-4D97-AF65-F5344CB8AC3E}">
+        <p14:creationId xmlns:p14="http://schemas.microsoft.com/office/powerpoint/2010/main" val="83294089"/>
+      </p:ext>
+    </p:extLst>
+  </p:cSld>
+  <p:clrMapOvr>
+    <a:masterClrMapping/>
+  </p:clrMapOvr>
+</p:notes>
+</file>
+
+<file path=ppt/notesSlides/notesSlide14.xml><?xml version="1.0" encoding="utf-8"?>
+<p:notes xmlns:a="http://schemas.openxmlformats.org/drawingml/2006/main" xmlns:r="http://schemas.openxmlformats.org/officeDocument/2006/relationships" xmlns:p="http://schemas.openxmlformats.org/presentationml/2006/main">
+  <p:cSld>
+    <p:spTree>
+      <p:nvGrpSpPr>
+        <p:cNvPr id="1" name=""/>
+        <p:cNvGrpSpPr/>
+        <p:nvPr/>
+      </p:nvGrpSpPr>
+      <p:grpSpPr>
+        <a:xfrm>
+          <a:off x="0" y="0"/>
+          <a:ext cx="0" cy="0"/>
+          <a:chOff x="0" y="0"/>
+          <a:chExt cx="0" cy="0"/>
+        </a:xfrm>
+      </p:grpSpPr>
+      <p:sp>
+        <p:nvSpPr>
+          <p:cNvPr id="2" name="Slide Image Placeholder 1"/>
+          <p:cNvSpPr>
+            <a:spLocks noGrp="1" noRot="1" noChangeAspect="1"/>
+          </p:cNvSpPr>
+          <p:nvPr>
+            <p:ph type="sldImg"/>
+          </p:nvPr>
+        </p:nvSpPr>
+        <p:spPr/>
+      </p:sp>
+      <p:sp>
+        <p:nvSpPr>
+          <p:cNvPr id="3" name="Notes Placeholder 2"/>
+          <p:cNvSpPr>
+            <a:spLocks noGrp="1"/>
+          </p:cNvSpPr>
+          <p:nvPr>
+            <p:ph type="body" idx="1"/>
+          </p:nvPr>
+        </p:nvSpPr>
+        <p:spPr/>
+        <p:txBody>
+          <a:bodyPr/>
+          <a:lstStyle/>
+          <a:p>
+            <a:endParaRPr lang="en-US" dirty="0"/>
+          </a:p>
+        </p:txBody>
+      </p:sp>
+      <p:sp>
+        <p:nvSpPr>
+          <p:cNvPr id="4" name="Slide Number Placeholder 3"/>
+          <p:cNvSpPr>
+            <a:spLocks noGrp="1"/>
+          </p:cNvSpPr>
+          <p:nvPr>
+            <p:ph type="sldNum" sz="quarter" idx="5"/>
+          </p:nvPr>
+        </p:nvSpPr>
+        <p:spPr/>
+        <p:txBody>
+          <a:bodyPr/>
+          <a:lstStyle/>
+          <a:p>
+            <a:fld id="{78BC1EB7-7629-FA4E-863B-FF4707D74CE2}" type="slidenum">
+              <a:rPr lang="en-US" smtClean="0"/>
+              <a:t>15</a:t>
+            </a:fld>
+            <a:endParaRPr lang="en-US"/>
+          </a:p>
+        </p:txBody>
+      </p:sp>
+    </p:spTree>
+    <p:extLst>
+      <p:ext uri="{BB962C8B-B14F-4D97-AF65-F5344CB8AC3E}">
+        <p14:creationId xmlns:p14="http://schemas.microsoft.com/office/powerpoint/2010/main" val="3585357186"/>
+      </p:ext>
+    </p:extLst>
+  </p:cSld>
+  <p:clrMapOvr>
+    <a:masterClrMapping/>
+  </p:clrMapOvr>
+</p:notes>
+</file>
+
+<file path=ppt/notesSlides/notesSlide15.xml><?xml version="1.0" encoding="utf-8"?>
+<p:notes xmlns:a="http://schemas.openxmlformats.org/drawingml/2006/main" xmlns:r="http://schemas.openxmlformats.org/officeDocument/2006/relationships" xmlns:p="http://schemas.openxmlformats.org/presentationml/2006/main">
+  <p:cSld>
+    <p:spTree>
+      <p:nvGrpSpPr>
+        <p:cNvPr id="1" name=""/>
+        <p:cNvGrpSpPr/>
+        <p:nvPr/>
+      </p:nvGrpSpPr>
+      <p:grpSpPr>
+        <a:xfrm>
+          <a:off x="0" y="0"/>
+          <a:ext cx="0" cy="0"/>
+          <a:chOff x="0" y="0"/>
+          <a:chExt cx="0" cy="0"/>
+        </a:xfrm>
+      </p:grpSpPr>
+      <p:sp>
+        <p:nvSpPr>
+          <p:cNvPr id="2" name="Slide Image Placeholder 1"/>
+          <p:cNvSpPr>
+            <a:spLocks noGrp="1" noRot="1" noChangeAspect="1"/>
+          </p:cNvSpPr>
+          <p:nvPr>
+            <p:ph type="sldImg"/>
+          </p:nvPr>
+        </p:nvSpPr>
+        <p:spPr/>
+      </p:sp>
+      <p:sp>
+        <p:nvSpPr>
+          <p:cNvPr id="3" name="Notes Placeholder 2"/>
+          <p:cNvSpPr>
+            <a:spLocks noGrp="1"/>
+          </p:cNvSpPr>
+          <p:nvPr>
+            <p:ph type="body" idx="1"/>
+          </p:nvPr>
+        </p:nvSpPr>
+        <p:spPr/>
+        <p:txBody>
+          <a:bodyPr/>
+          <a:lstStyle/>
+          <a:p>
+            <a:endParaRPr lang="en-US" dirty="0"/>
+          </a:p>
+        </p:txBody>
+      </p:sp>
+      <p:sp>
+        <p:nvSpPr>
+          <p:cNvPr id="4" name="Slide Number Placeholder 3"/>
+          <p:cNvSpPr>
+            <a:spLocks noGrp="1"/>
+          </p:cNvSpPr>
+          <p:nvPr>
+            <p:ph type="sldNum" sz="quarter" idx="5"/>
+          </p:nvPr>
+        </p:nvSpPr>
+        <p:spPr/>
+        <p:txBody>
+          <a:bodyPr/>
+          <a:lstStyle/>
+          <a:p>
+            <a:fld id="{78BC1EB7-7629-FA4E-863B-FF4707D74CE2}" type="slidenum">
+              <a:rPr lang="en-US" smtClean="0"/>
+              <a:t>16</a:t>
             </a:fld>
             <a:endParaRPr lang="en-US"/>
           </a:p>
@@ -1519,35 +1685,49 @@
           <a:p>
             <a:r>
               <a:rPr lang="en-US" dirty="0"/>
-              <a:t>Mention that there will be a session for </a:t>
-            </a:r>
+              <a:t>Introduce myself, and inform people that I’ll let them know</a:t>
+            </a:r>
+          </a:p>
+          <a:p>
+            <a:pPr marL="171450" indent="-171450">
+              <a:buFontTx/>
+              <a:buChar char="-"/>
+            </a:pPr>
             <a:r>
               <a:rPr lang="en-US" b="1" dirty="0"/>
-              <a:t>questions</a:t>
-            </a:r>
-            <a:r>
-              <a:rPr lang="en-US" dirty="0"/>
-              <a:t> </a:t>
-            </a:r>
+              <a:t>What</a:t>
+            </a:r>
+            <a:r>
+              <a:rPr lang="en-US" dirty="0"/>
+              <a:t> JMeter is</a:t>
+            </a:r>
+          </a:p>
+          <a:p>
+            <a:pPr marL="171450" indent="-171450">
+              <a:buFontTx/>
+              <a:buChar char="-"/>
+            </a:pPr>
             <a:r>
               <a:rPr lang="en-US" b="1" dirty="0"/>
-              <a:t>during</a:t>
-            </a:r>
-            <a:r>
-              <a:rPr lang="en-US" dirty="0"/>
-              <a:t> and </a:t>
-            </a:r>
+              <a:t>How</a:t>
+            </a:r>
+            <a:r>
+              <a:rPr lang="en-US" dirty="0"/>
+              <a:t> is it useful</a:t>
+            </a:r>
+          </a:p>
+          <a:p>
+            <a:pPr marL="171450" indent="-171450">
+              <a:buFontTx/>
+              <a:buChar char="-"/>
+            </a:pPr>
             <a:r>
               <a:rPr lang="en-US" b="1" dirty="0"/>
-              <a:t>after</a:t>
-            </a:r>
-            <a:r>
-              <a:rPr lang="en-US" dirty="0"/>
-              <a:t> the </a:t>
-            </a:r>
-            <a:r>
-              <a:rPr lang="en-US" b="1" dirty="0"/>
-              <a:t>workshop</a:t>
+              <a:t>Why</a:t>
+            </a:r>
+            <a:r>
+              <a:rPr lang="en-US" dirty="0"/>
+              <a:t> you may want to adopt it</a:t>
             </a:r>
           </a:p>
         </p:txBody>
@@ -1578,7 +1758,7 @@
     </p:spTree>
     <p:extLst>
       <p:ext uri="{BB962C8B-B14F-4D97-AF65-F5344CB8AC3E}">
-        <p14:creationId xmlns:p14="http://schemas.microsoft.com/office/powerpoint/2010/main" val="2056628261"/>
+        <p14:creationId xmlns:p14="http://schemas.microsoft.com/office/powerpoint/2010/main" val="3029980022"/>
       </p:ext>
     </p:extLst>
   </p:cSld>
@@ -1634,49 +1814,79 @@
           <a:p>
             <a:r>
               <a:rPr lang="en-US" dirty="0"/>
-              <a:t>Introduce myself, and inform people that I’ll let them know</a:t>
-            </a:r>
-          </a:p>
-          <a:p>
-            <a:pPr marL="171450" indent="-171450">
-              <a:buFontTx/>
-              <a:buChar char="-"/>
-            </a:pPr>
+              <a:t>Discuss how the </a:t>
+            </a:r>
             <a:r>
               <a:rPr lang="en-US" b="1" dirty="0"/>
-              <a:t>What</a:t>
-            </a:r>
-            <a:r>
-              <a:rPr lang="en-US" dirty="0"/>
-              <a:t> JMeter is</a:t>
-            </a:r>
-          </a:p>
-          <a:p>
-            <a:pPr marL="171450" indent="-171450">
-              <a:buFontTx/>
-              <a:buChar char="-"/>
-            </a:pPr>
+              <a:t>internet</a:t>
+            </a:r>
+            <a:r>
+              <a:rPr lang="en-US" dirty="0"/>
+              <a:t> is becoming a much more </a:t>
+            </a:r>
             <a:r>
               <a:rPr lang="en-US" b="1" dirty="0"/>
-              <a:t>How</a:t>
-            </a:r>
-            <a:r>
-              <a:rPr lang="en-US" dirty="0"/>
-              <a:t> is it useful</a:t>
-            </a:r>
-          </a:p>
-          <a:p>
-            <a:pPr marL="171450" indent="-171450">
-              <a:buFontTx/>
-              <a:buChar char="-"/>
-            </a:pPr>
+              <a:t>complex</a:t>
+            </a:r>
+            <a:r>
+              <a:rPr lang="en-US" dirty="0"/>
+              <a:t> place than it once was, and how companies have to go an extra mile to </a:t>
+            </a:r>
             <a:r>
               <a:rPr lang="en-US" b="1" dirty="0"/>
-              <a:t>Why</a:t>
-            </a:r>
-            <a:r>
-              <a:rPr lang="en-US" dirty="0"/>
-              <a:t> you may want to adopt it</a:t>
+              <a:t>increase their revenue</a:t>
+            </a:r>
+            <a:r>
+              <a:rPr lang="en-US" dirty="0"/>
+              <a:t>. One way of increasing the revenue is attracting </a:t>
+            </a:r>
+            <a:r>
+              <a:rPr lang="en-US" b="1" dirty="0"/>
+              <a:t>more users</a:t>
+            </a:r>
+            <a:r>
+              <a:rPr lang="en-US" dirty="0"/>
+              <a:t> to their websites, which means </a:t>
+            </a:r>
+            <a:r>
+              <a:rPr lang="en-US" b="1" dirty="0"/>
+              <a:t>more strain </a:t>
+            </a:r>
+            <a:r>
+              <a:rPr lang="en-US" dirty="0"/>
+              <a:t>on the servers. It’s important to identify </a:t>
+            </a:r>
+            <a:r>
+              <a:rPr lang="en-US" b="1" dirty="0"/>
+              <a:t>how the servers will respond </a:t>
+            </a:r>
+            <a:r>
+              <a:rPr lang="en-US" dirty="0"/>
+              <a:t>to the increase. There is a </a:t>
+            </a:r>
+            <a:r>
+              <a:rPr lang="en-US" b="1" dirty="0"/>
+              <a:t>solution</a:t>
+            </a:r>
+            <a:r>
+              <a:rPr lang="en-US" dirty="0"/>
+              <a:t> to that dilemma: perform </a:t>
+            </a:r>
+            <a:r>
+              <a:rPr lang="en-US" b="1" dirty="0"/>
+              <a:t>load testing </a:t>
+            </a:r>
+            <a:r>
+              <a:rPr lang="en-US" dirty="0"/>
+              <a:t>on the infrastructure </a:t>
+            </a:r>
+            <a:r>
+              <a:rPr lang="en-US" b="1" dirty="0"/>
+              <a:t>BEFORE</a:t>
+            </a:r>
+            <a:r>
+              <a:rPr lang="en-US" dirty="0"/>
+              <a:t> the user influx occurs. This leads to…</a:t>
             </a:r>
           </a:p>
         </p:txBody>
@@ -1707,7 +1917,7 @@
     </p:spTree>
     <p:extLst>
       <p:ext uri="{BB962C8B-B14F-4D97-AF65-F5344CB8AC3E}">
-        <p14:creationId xmlns:p14="http://schemas.microsoft.com/office/powerpoint/2010/main" val="3029980022"/>
+        <p14:creationId xmlns:p14="http://schemas.microsoft.com/office/powerpoint/2010/main" val="1557097150"/>
       </p:ext>
     </p:extLst>
   </p:cSld>
@@ -1763,79 +1973,23 @@
           <a:p>
             <a:r>
               <a:rPr lang="en-US" dirty="0"/>
-              <a:t>Discuss how the </a:t>
+              <a:t>…JMeter. Discuss how it </a:t>
             </a:r>
             <a:r>
               <a:rPr lang="en-US" b="1" dirty="0"/>
-              <a:t>internet</a:t>
-            </a:r>
-            <a:r>
-              <a:rPr lang="en-US" dirty="0"/>
-              <a:t> is becoming a much more </a:t>
+              <a:t>used to be a load and performance testing tool</a:t>
+            </a:r>
+            <a:r>
+              <a:rPr lang="en-US" dirty="0"/>
+              <a:t>, but </a:t>
             </a:r>
             <a:r>
               <a:rPr lang="en-US" b="1" dirty="0"/>
-              <a:t>complex</a:t>
-            </a:r>
-            <a:r>
-              <a:rPr lang="en-US" dirty="0"/>
-              <a:t> place than it once was, and how companies have to go an extra mile to </a:t>
-            </a:r>
-            <a:r>
-              <a:rPr lang="en-US" b="1" dirty="0"/>
-              <a:t>increase their revenue</a:t>
-            </a:r>
-            <a:r>
-              <a:rPr lang="en-US" dirty="0"/>
-              <a:t>. One way of increasing the revenue is attracting </a:t>
-            </a:r>
-            <a:r>
-              <a:rPr lang="en-US" b="1" dirty="0"/>
-              <a:t>more users</a:t>
-            </a:r>
-            <a:r>
-              <a:rPr lang="en-US" dirty="0"/>
-              <a:t> to their websites, which means </a:t>
-            </a:r>
-            <a:r>
-              <a:rPr lang="en-US" b="1" dirty="0"/>
-              <a:t>more strain </a:t>
-            </a:r>
-            <a:r>
-              <a:rPr lang="en-US" dirty="0"/>
-              <a:t>on the servers. It’s important to identify </a:t>
-            </a:r>
-            <a:r>
-              <a:rPr lang="en-US" b="1" dirty="0"/>
-              <a:t>how the servers will respond </a:t>
-            </a:r>
-            <a:r>
-              <a:rPr lang="en-US" dirty="0"/>
-              <a:t>to the increase. There is a </a:t>
-            </a:r>
-            <a:r>
-              <a:rPr lang="en-US" b="1" dirty="0"/>
-              <a:t>solution</a:t>
-            </a:r>
-            <a:r>
-              <a:rPr lang="en-US" dirty="0"/>
-              <a:t> to that dilemma: perform </a:t>
-            </a:r>
-            <a:r>
-              <a:rPr lang="en-US" b="1" dirty="0"/>
-              <a:t>load testing </a:t>
-            </a:r>
-            <a:r>
-              <a:rPr lang="en-US" dirty="0"/>
-              <a:t>on the infrastructure </a:t>
-            </a:r>
-            <a:r>
-              <a:rPr lang="en-US" b="1" dirty="0"/>
-              <a:t>BEFORE</a:t>
-            </a:r>
-            <a:r>
-              <a:rPr lang="en-US" dirty="0"/>
-              <a:t> the user influx occurs. This leads to…</a:t>
+              <a:t>grew</a:t>
+            </a:r>
+            <a:r>
+              <a:rPr lang="en-US" dirty="0"/>
+              <a:t> since then to be much more then that. It can cover a variety of other testing types, which be discussed further along the presentation.</a:t>
             </a:r>
           </a:p>
         </p:txBody>
@@ -1866,7 +2020,7 @@
     </p:spTree>
     <p:extLst>
       <p:ext uri="{BB962C8B-B14F-4D97-AF65-F5344CB8AC3E}">
-        <p14:creationId xmlns:p14="http://schemas.microsoft.com/office/powerpoint/2010/main" val="1557097150"/>
+        <p14:creationId xmlns:p14="http://schemas.microsoft.com/office/powerpoint/2010/main" val="3473366255"/>
       </p:ext>
     </p:extLst>
   </p:cSld>
@@ -1922,23 +2076,143 @@
           <a:p>
             <a:r>
               <a:rPr lang="en-US" dirty="0"/>
-              <a:t>…JMeter. Discuss how it </a:t>
+              <a:t>JMeter, like any other tools, has its pros and cons. We’ll go through the pros, first:</a:t>
+            </a:r>
+          </a:p>
+          <a:p>
+            <a:r>
+              <a:rPr lang="en-US" dirty="0"/>
+              <a:t>It’s open source, meaning </a:t>
             </a:r>
             <a:r>
               <a:rPr lang="en-US" b="1" dirty="0"/>
-              <a:t>used to be a load and performance testing tool</a:t>
-            </a:r>
-            <a:r>
-              <a:rPr lang="en-US" dirty="0"/>
-              <a:t>, but </a:t>
+              <a:t>everyone can contribute </a:t>
+            </a:r>
+            <a:r>
+              <a:rPr lang="en-US" dirty="0"/>
+              <a:t>to it using the specific </a:t>
+            </a:r>
+            <a:r>
+              <a:rPr lang="en-US" dirty="0" err="1"/>
+              <a:t>Jmeter</a:t>
+            </a:r>
+            <a:r>
+              <a:rPr lang="en-US" dirty="0"/>
+              <a:t> contribution channels (see the </a:t>
+            </a:r>
+            <a:r>
+              <a:rPr lang="en-US" dirty="0" err="1"/>
+              <a:t>Jmeter</a:t>
+            </a:r>
+            <a:r>
+              <a:rPr lang="en-US" dirty="0"/>
+              <a:t> website)</a:t>
+            </a:r>
+          </a:p>
+          <a:p>
+            <a:r>
+              <a:rPr lang="en-US" dirty="0"/>
+              <a:t>It’s based on Java, which means it </a:t>
             </a:r>
             <a:r>
               <a:rPr lang="en-US" b="1" dirty="0"/>
-              <a:t>grew</a:t>
-            </a:r>
-            <a:r>
-              <a:rPr lang="en-US" dirty="0"/>
-              <a:t> since then to be much more then that. It can cover a variety of other testing types, which be discussed further along the presentation.</a:t>
+              <a:t>can run on a vast array of different infrastructures</a:t>
+            </a:r>
+            <a:r>
+              <a:rPr lang="en-US" dirty="0"/>
+              <a:t>.</a:t>
+            </a:r>
+          </a:p>
+          <a:p>
+            <a:r>
+              <a:rPr lang="en-US" dirty="0"/>
+              <a:t>Can be </a:t>
+            </a:r>
+            <a:r>
+              <a:rPr lang="en-US" b="1" dirty="0"/>
+              <a:t>integrated</a:t>
+            </a:r>
+            <a:r>
+              <a:rPr lang="en-US" dirty="0"/>
+              <a:t> into your favorite </a:t>
+            </a:r>
+            <a:r>
+              <a:rPr lang="en-US" b="1" dirty="0"/>
+              <a:t>Continuous Integration pipeline</a:t>
+            </a:r>
+          </a:p>
+          <a:p>
+            <a:r>
+              <a:rPr lang="en-US" dirty="0"/>
+              <a:t>It supports </a:t>
+            </a:r>
+            <a:r>
+              <a:rPr lang="en-US" b="1" dirty="0"/>
+              <a:t>multiple protocols</a:t>
+            </a:r>
+            <a:r>
+              <a:rPr lang="en-US" dirty="0"/>
+              <a:t>, such as HTTP, SOAP, FTP and others</a:t>
+            </a:r>
+          </a:p>
+          <a:p>
+            <a:r>
+              <a:rPr lang="en-US" dirty="0"/>
+              <a:t>It’s got </a:t>
+            </a:r>
+            <a:r>
+              <a:rPr lang="en-US" b="1" dirty="0"/>
+              <a:t>user interface</a:t>
+            </a:r>
+            <a:r>
+              <a:rPr lang="en-US" dirty="0"/>
+              <a:t>, which means you </a:t>
+            </a:r>
+            <a:r>
+              <a:rPr lang="en-US" b="1" dirty="0"/>
+              <a:t>don’t need to know coding </a:t>
+            </a:r>
+            <a:r>
+              <a:rPr lang="en-US" dirty="0"/>
+              <a:t>to develop the tests</a:t>
+            </a:r>
+          </a:p>
+          <a:p>
+            <a:r>
+              <a:rPr lang="en-US" dirty="0"/>
+              <a:t>And it’s got a variety of </a:t>
+            </a:r>
+            <a:r>
+              <a:rPr lang="en-US" b="1" dirty="0"/>
+              <a:t>support</a:t>
+            </a:r>
+            <a:r>
+              <a:rPr lang="en-US" dirty="0"/>
+              <a:t> resources, such as </a:t>
+            </a:r>
+            <a:r>
+              <a:rPr lang="en-US" b="1" dirty="0"/>
+              <a:t>stack overflow</a:t>
+            </a:r>
+            <a:r>
+              <a:rPr lang="en-US" dirty="0"/>
+              <a:t>, various articles all over the internet and, my personal favorite, the </a:t>
+            </a:r>
+            <a:r>
+              <a:rPr lang="en-US" b="1" dirty="0"/>
+              <a:t>commercial</a:t>
+            </a:r>
+            <a:r>
+              <a:rPr lang="en-US" dirty="0"/>
+              <a:t> support from the </a:t>
+            </a:r>
+            <a:r>
+              <a:rPr lang="en-US" b="1" dirty="0"/>
+              <a:t>Blazemeter</a:t>
+            </a:r>
+            <a:r>
+              <a:rPr lang="en-US" dirty="0"/>
+              <a:t> website</a:t>
             </a:r>
           </a:p>
         </p:txBody>
@@ -1969,7 +2243,7 @@
     </p:spTree>
     <p:extLst>
       <p:ext uri="{BB962C8B-B14F-4D97-AF65-F5344CB8AC3E}">
-        <p14:creationId xmlns:p14="http://schemas.microsoft.com/office/powerpoint/2010/main" val="3473366255"/>
+        <p14:creationId xmlns:p14="http://schemas.microsoft.com/office/powerpoint/2010/main" val="1971946255"/>
       </p:ext>
     </p:extLst>
   </p:cSld>
@@ -2025,143 +2299,105 @@
           <a:p>
             <a:r>
               <a:rPr lang="en-US" dirty="0"/>
-              <a:t>JMeter, like any other tools, has its pros and cons. We’ll go through the pros, first:</a:t>
-            </a:r>
-          </a:p>
-          <a:p>
-            <a:r>
-              <a:rPr lang="en-US" dirty="0"/>
-              <a:t>It’s open source, meaning </a:t>
+              <a:t>It also has its cons.</a:t>
+            </a:r>
+          </a:p>
+          <a:p>
+            <a:r>
+              <a:rPr lang="en-US" dirty="0"/>
+              <a:t>If you want to perform detailed analysis on the data, you need to be </a:t>
             </a:r>
             <a:r>
               <a:rPr lang="en-US" b="1" dirty="0"/>
-              <a:t>everyone can contribute </a:t>
-            </a:r>
-            <a:r>
-              <a:rPr lang="en-US" dirty="0"/>
-              <a:t>to it using the specific </a:t>
-            </a:r>
-            <a:r>
-              <a:rPr lang="en-US" dirty="0" err="1"/>
-              <a:t>Jmeter</a:t>
-            </a:r>
-            <a:r>
-              <a:rPr lang="en-US" dirty="0"/>
-              <a:t> contribution channels (see the </a:t>
-            </a:r>
-            <a:r>
-              <a:rPr lang="en-US" dirty="0" err="1"/>
-              <a:t>Jmeter</a:t>
-            </a:r>
-            <a:r>
-              <a:rPr lang="en-US" dirty="0"/>
-              <a:t> website)</a:t>
-            </a:r>
-          </a:p>
-          <a:p>
-            <a:r>
-              <a:rPr lang="en-US" dirty="0"/>
-              <a:t>It’s based on Java, which means it </a:t>
+              <a:t>good at statistics </a:t>
+            </a:r>
+            <a:r>
+              <a:rPr lang="en-US" dirty="0"/>
+              <a:t>and doing graphs in excel.</a:t>
+            </a:r>
+          </a:p>
+          <a:p>
+            <a:r>
+              <a:rPr lang="en-US" dirty="0"/>
+              <a:t>Not all Java versions are supported. The website lists </a:t>
             </a:r>
             <a:r>
               <a:rPr lang="en-US" b="1" dirty="0"/>
-              <a:t>can run on a vast array of different infrastructures</a:t>
-            </a:r>
-            <a:r>
-              <a:rPr lang="en-US" dirty="0"/>
-              <a:t>.</a:t>
-            </a:r>
-          </a:p>
-          <a:p>
-            <a:r>
-              <a:rPr lang="en-US" dirty="0"/>
-              <a:t>Can be </a:t>
+              <a:t>Java 8 and 9 </a:t>
+            </a:r>
+            <a:r>
+              <a:rPr lang="en-US" dirty="0"/>
+              <a:t>as the ones </a:t>
             </a:r>
             <a:r>
               <a:rPr lang="en-US" b="1" dirty="0"/>
-              <a:t>integrated</a:t>
-            </a:r>
-            <a:r>
-              <a:rPr lang="en-US" dirty="0"/>
-              <a:t> into your favorite </a:t>
+              <a:t>officially</a:t>
+            </a:r>
+            <a:r>
+              <a:rPr lang="en-US" dirty="0"/>
+              <a:t> supported, so it may </a:t>
             </a:r>
             <a:r>
               <a:rPr lang="en-US" b="1" dirty="0"/>
-              <a:t>Continuous Integration pipeline</a:t>
-            </a:r>
-          </a:p>
-          <a:p>
-            <a:r>
-              <a:rPr lang="en-US" dirty="0"/>
-              <a:t>It supports </a:t>
+              <a:t>misbehave</a:t>
+            </a:r>
+            <a:r>
+              <a:rPr lang="en-US" dirty="0"/>
+              <a:t> on systems with other versions of Java</a:t>
+            </a:r>
+          </a:p>
+          <a:p>
+            <a:r>
+              <a:rPr lang="en-US" dirty="0"/>
+              <a:t>Even though </a:t>
             </a:r>
             <a:r>
               <a:rPr lang="en-US" b="1" dirty="0"/>
-              <a:t>multiple protocols</a:t>
-            </a:r>
-            <a:r>
-              <a:rPr lang="en-US" dirty="0"/>
-              <a:t>, such as HTTP, SOAP, FTP and others</a:t>
-            </a:r>
-          </a:p>
-          <a:p>
-            <a:r>
-              <a:rPr lang="en-US" dirty="0"/>
-              <a:t>It’s got </a:t>
+              <a:t>GUI</a:t>
+            </a:r>
+            <a:r>
+              <a:rPr lang="en-US" dirty="0"/>
+              <a:t> is good, it does </a:t>
             </a:r>
             <a:r>
               <a:rPr lang="en-US" b="1" dirty="0"/>
-              <a:t>user interface</a:t>
-            </a:r>
-            <a:r>
-              <a:rPr lang="en-US" dirty="0"/>
-              <a:t>, which means you </a:t>
+              <a:t>take</a:t>
+            </a:r>
+            <a:r>
+              <a:rPr lang="en-US" dirty="0"/>
+              <a:t> </a:t>
             </a:r>
             <a:r>
               <a:rPr lang="en-US" b="1" dirty="0"/>
-              <a:t>don’t need to know coding </a:t>
-            </a:r>
-            <a:r>
-              <a:rPr lang="en-US" dirty="0"/>
-              <a:t>to develop the tests</a:t>
-            </a:r>
-          </a:p>
-          <a:p>
-            <a:r>
-              <a:rPr lang="en-US" dirty="0"/>
-              <a:t>And it’s got a variety of </a:t>
+              <a:t>some</a:t>
+            </a:r>
+            <a:r>
+              <a:rPr lang="en-US" dirty="0"/>
+              <a:t> </a:t>
             </a:r>
             <a:r>
               <a:rPr lang="en-US" b="1" dirty="0"/>
-              <a:t>support</a:t>
-            </a:r>
-            <a:r>
-              <a:rPr lang="en-US" dirty="0"/>
-              <a:t> resources, such as </a:t>
+              <a:t>getting used to</a:t>
+            </a:r>
+            <a:r>
+              <a:rPr lang="en-US" dirty="0"/>
+              <a:t>. However, it’s </a:t>
             </a:r>
             <a:r>
               <a:rPr lang="en-US" b="1" dirty="0"/>
-              <a:t>stack overflow</a:t>
-            </a:r>
-            <a:r>
-              <a:rPr lang="en-US" dirty="0"/>
-              <a:t>, various articles all over the internet and, my personal favorite, the </a:t>
+              <a:t>not as difficult </a:t>
+            </a:r>
+            <a:r>
+              <a:rPr lang="en-US" dirty="0"/>
+              <a:t>as learning how to </a:t>
             </a:r>
             <a:r>
               <a:rPr lang="en-US" b="1" dirty="0"/>
-              <a:t>commercial</a:t>
-            </a:r>
-            <a:r>
-              <a:rPr lang="en-US" dirty="0"/>
-              <a:t> support from the </a:t>
-            </a:r>
-            <a:r>
-              <a:rPr lang="en-US" b="1" dirty="0"/>
-              <a:t>Blazemeter</a:t>
-            </a:r>
-            <a:r>
-              <a:rPr lang="en-US" dirty="0"/>
-              <a:t> website</a:t>
+              <a:t>code</a:t>
+            </a:r>
+            <a:r>
+              <a:rPr lang="en-US" dirty="0"/>
+              <a:t> from scratch.</a:t>
             </a:r>
           </a:p>
         </p:txBody>
@@ -2192,7 +2428,7 @@
     </p:spTree>
     <p:extLst>
       <p:ext uri="{BB962C8B-B14F-4D97-AF65-F5344CB8AC3E}">
-        <p14:creationId xmlns:p14="http://schemas.microsoft.com/office/powerpoint/2010/main" val="1971946255"/>
+        <p14:creationId xmlns:p14="http://schemas.microsoft.com/office/powerpoint/2010/main" val="2871872281"/>
       </p:ext>
     </p:extLst>
   </p:cSld>
@@ -2248,105 +2484,123 @@
           <a:p>
             <a:r>
               <a:rPr lang="en-US" dirty="0"/>
-              <a:t>It also has its cons.</a:t>
-            </a:r>
-          </a:p>
-          <a:p>
-            <a:r>
-              <a:rPr lang="en-US" dirty="0"/>
-              <a:t>If you want to perform detailed analysis on the data, you need to be </a:t>
+              <a:t>How does JMeter works: well, it allows you to </a:t>
             </a:r>
             <a:r>
               <a:rPr lang="en-US" b="1" dirty="0"/>
-              <a:t>good at statistics </a:t>
-            </a:r>
-            <a:r>
-              <a:rPr lang="en-US" dirty="0"/>
-              <a:t>and doing graphs in excel.</a:t>
-            </a:r>
-          </a:p>
-          <a:p>
-            <a:r>
-              <a:rPr lang="en-US" dirty="0"/>
-              <a:t>Not all Java versions are supported. The website lists </a:t>
+              <a:t>do actual API calls </a:t>
+            </a:r>
+            <a:r>
+              <a:rPr lang="en-US" dirty="0"/>
+              <a:t>to the website as the </a:t>
             </a:r>
             <a:r>
               <a:rPr lang="en-US" b="1" dirty="0"/>
-              <a:t>Java 8 and 9 </a:t>
-            </a:r>
-            <a:r>
-              <a:rPr lang="en-US" dirty="0"/>
-              <a:t>as the ones </a:t>
+              <a:t>user</a:t>
+            </a:r>
+            <a:r>
+              <a:rPr lang="en-US" dirty="0"/>
+              <a:t> would make them using the </a:t>
             </a:r>
             <a:r>
               <a:rPr lang="en-US" b="1" dirty="0"/>
-              <a:t>officially</a:t>
-            </a:r>
-            <a:r>
-              <a:rPr lang="en-US" dirty="0"/>
-              <a:t> supported, so it may </a:t>
+              <a:t>browser</a:t>
+            </a:r>
+            <a:r>
+              <a:rPr lang="en-US" dirty="0"/>
+              <a:t>. It can also </a:t>
             </a:r>
             <a:r>
               <a:rPr lang="en-US" b="1" dirty="0"/>
-              <a:t>misbehave</a:t>
-            </a:r>
-            <a:r>
-              <a:rPr lang="en-US" dirty="0"/>
-              <a:t> on systems with other versions of Java</a:t>
-            </a:r>
-          </a:p>
-          <a:p>
-            <a:r>
-              <a:rPr lang="en-US" dirty="0"/>
-              <a:t>Even though </a:t>
+              <a:t>receive the responses</a:t>
+            </a:r>
+            <a:r>
+              <a:rPr lang="en-US" dirty="0"/>
+              <a:t>, and </a:t>
             </a:r>
             <a:r>
               <a:rPr lang="en-US" b="1" dirty="0"/>
-              <a:t>GUI</a:t>
-            </a:r>
-            <a:r>
-              <a:rPr lang="en-US" dirty="0"/>
-              <a:t> is good, it does </a:t>
+              <a:t>act</a:t>
+            </a:r>
+            <a:r>
+              <a:rPr lang="en-US" dirty="0"/>
+              <a:t> upon them. Once the operation completes, you can see and analyze a variety of data associated with the response, such as </a:t>
             </a:r>
             <a:r>
               <a:rPr lang="en-US" b="1" dirty="0"/>
-              <a:t>take</a:t>
-            </a:r>
-            <a:r>
-              <a:rPr lang="en-US" dirty="0"/>
-              <a:t> </a:t>
+              <a:t>latency</a:t>
+            </a:r>
+            <a:r>
+              <a:rPr lang="en-US" dirty="0"/>
+              <a:t>, response </a:t>
             </a:r>
             <a:r>
               <a:rPr lang="en-US" b="1" dirty="0"/>
-              <a:t>some</a:t>
-            </a:r>
-            <a:r>
-              <a:rPr lang="en-US" dirty="0"/>
-              <a:t> </a:t>
+              <a:t>size</a:t>
+            </a:r>
+            <a:r>
+              <a:rPr lang="en-US" dirty="0"/>
+              <a:t>, </a:t>
             </a:r>
             <a:r>
               <a:rPr lang="en-US" b="1" dirty="0"/>
-              <a:t>getting used to</a:t>
-            </a:r>
-            <a:r>
-              <a:rPr lang="en-US" dirty="0"/>
-              <a:t>. However, it’s </a:t>
+              <a:t>headers</a:t>
+            </a:r>
+            <a:r>
+              <a:rPr lang="en-US" dirty="0"/>
+              <a:t>, </a:t>
             </a:r>
             <a:r>
               <a:rPr lang="en-US" b="1" dirty="0"/>
-              <a:t>not as difficult </a:t>
-            </a:r>
-            <a:r>
-              <a:rPr lang="en-US" dirty="0"/>
-              <a:t>as learning how to </a:t>
+              <a:t>error codes</a:t>
+            </a:r>
+            <a:r>
+              <a:rPr lang="en-US" dirty="0"/>
+              <a:t> etc.</a:t>
+            </a:r>
+          </a:p>
+          <a:p>
+            <a:r>
+              <a:rPr lang="en-US" dirty="0"/>
+              <a:t>With the ability to </a:t>
             </a:r>
             <a:r>
               <a:rPr lang="en-US" b="1" dirty="0"/>
-              <a:t>code</a:t>
-            </a:r>
-            <a:r>
-              <a:rPr lang="en-US" dirty="0"/>
-              <a:t> from scratch.</a:t>
+              <a:t>add more users </a:t>
+            </a:r>
+            <a:r>
+              <a:rPr lang="en-US" dirty="0"/>
+              <a:t>(or threads), the responses will generate a </a:t>
+            </a:r>
+            <a:r>
+              <a:rPr lang="en-US" b="1" dirty="0"/>
+              <a:t>realistic load </a:t>
+            </a:r>
+            <a:r>
+              <a:rPr lang="en-US" dirty="0"/>
+              <a:t>on the system, which can then be </a:t>
+            </a:r>
+            <a:r>
+              <a:rPr lang="en-US" b="1" dirty="0"/>
+              <a:t>recorded and analyzed</a:t>
+            </a:r>
+            <a:r>
+              <a:rPr lang="en-US" dirty="0"/>
+              <a:t>. </a:t>
+            </a:r>
+          </a:p>
+          <a:p>
+            <a:r>
+              <a:rPr lang="en-US" dirty="0"/>
+              <a:t>Furthermore, JMeter has a few tools that allow you to </a:t>
+            </a:r>
+            <a:r>
+              <a:rPr lang="en-US" b="1" dirty="0"/>
+              <a:t>visualize</a:t>
+            </a:r>
+            <a:r>
+              <a:rPr lang="en-US" dirty="0"/>
+              <a:t> the data as it gets gathered.</a:t>
             </a:r>
           </a:p>
         </p:txBody>
@@ -2377,7 +2631,7 @@
     </p:spTree>
     <p:extLst>
       <p:ext uri="{BB962C8B-B14F-4D97-AF65-F5344CB8AC3E}">
-        <p14:creationId xmlns:p14="http://schemas.microsoft.com/office/powerpoint/2010/main" val="2871872281"/>
+        <p14:creationId xmlns:p14="http://schemas.microsoft.com/office/powerpoint/2010/main" val="468573554"/>
       </p:ext>
     </p:extLst>
   </p:cSld>
@@ -2433,124 +2687,153 @@
           <a:p>
             <a:r>
               <a:rPr lang="en-US" dirty="0"/>
-              <a:t>How does JMeter works: well, it allows you to </a:t>
+              <a:t>It has some additional functionality:</a:t>
+            </a:r>
+          </a:p>
+          <a:p>
+            <a:r>
+              <a:rPr lang="en-US" dirty="0"/>
+              <a:t>You can </a:t>
             </a:r>
             <a:r>
               <a:rPr lang="en-US" b="1" dirty="0"/>
-              <a:t>do actual API calls </a:t>
-            </a:r>
-            <a:r>
-              <a:rPr lang="en-US" dirty="0"/>
-              <a:t>to the website as the </a:t>
+              <a:t>modify</a:t>
+            </a:r>
+            <a:r>
+              <a:rPr lang="en-US" dirty="0"/>
+              <a:t> the requests </a:t>
             </a:r>
             <a:r>
               <a:rPr lang="en-US" b="1" dirty="0"/>
-              <a:t>user</a:t>
-            </a:r>
-            <a:r>
-              <a:rPr lang="en-US" dirty="0"/>
-              <a:t> would make them using the </a:t>
+              <a:t>before</a:t>
+            </a:r>
+            <a:r>
+              <a:rPr lang="en-US" dirty="0"/>
+              <a:t> they’re sent and </a:t>
             </a:r>
             <a:r>
               <a:rPr lang="en-US" b="1" dirty="0"/>
-              <a:t>browser</a:t>
-            </a:r>
-            <a:r>
-              <a:rPr lang="en-US" dirty="0"/>
-              <a:t>. It can also </a:t>
+              <a:t>after</a:t>
+            </a:r>
+            <a:r>
+              <a:rPr lang="en-US" dirty="0"/>
+              <a:t> the response is received. This mean you can perform user </a:t>
             </a:r>
             <a:r>
               <a:rPr lang="en-US" b="1" dirty="0"/>
-              <a:t>receive the responses</a:t>
-            </a:r>
-            <a:r>
-              <a:rPr lang="en-US" dirty="0"/>
-              <a:t>, and </a:t>
+              <a:t>logins</a:t>
+            </a:r>
+            <a:r>
+              <a:rPr lang="en-US" dirty="0"/>
+              <a:t> without actually touching the login servers, which make your tests very specific. </a:t>
+            </a:r>
+          </a:p>
+          <a:p>
+            <a:pPr marL="0" marR="0" lvl="0" indent="0" algn="l" defTabSz="914400" rtl="0" eaLnBrk="1" fontAlgn="auto" latinLnBrk="0" hangingPunct="1">
+              <a:lnSpc>
+                <a:spcPct val="100000"/>
+              </a:lnSpc>
+              <a:spcBef>
+                <a:spcPts val="0"/>
+              </a:spcBef>
+              <a:spcAft>
+                <a:spcPts val="0"/>
+              </a:spcAft>
+              <a:buClrTx/>
+              <a:buSzTx/>
+              <a:buFontTx/>
+              <a:buNone/>
+              <a:tabLst/>
+              <a:defRPr/>
+            </a:pPr>
+            <a:r>
+              <a:rPr lang="en-US" dirty="0"/>
+              <a:t>Example use: pull your password </a:t>
             </a:r>
             <a:r>
               <a:rPr lang="en-US" b="1" dirty="0"/>
-              <a:t>act</a:t>
-            </a:r>
-            <a:r>
-              <a:rPr lang="en-US" dirty="0"/>
-              <a:t> upon them. Once the operation completes, you can see and analyze a variety of data associated with the response, such as </a:t>
+              <a:t>salting</a:t>
+            </a:r>
+            <a:r>
+              <a:rPr lang="en-US" dirty="0"/>
+              <a:t> code directly from the repository, and perform the salting on the machine where JMeter is installed</a:t>
+            </a:r>
+          </a:p>
+          <a:p>
+            <a:endParaRPr lang="en-US" dirty="0"/>
+          </a:p>
+          <a:p>
+            <a:r>
+              <a:rPr lang="en-US" dirty="0"/>
+              <a:t>Because JMeter supports </a:t>
             </a:r>
             <a:r>
               <a:rPr lang="en-US" b="1" dirty="0"/>
-              <a:t>latency</a:t>
-            </a:r>
-            <a:r>
-              <a:rPr lang="en-US" dirty="0"/>
-              <a:t>, response </a:t>
+              <a:t>variety</a:t>
+            </a:r>
+            <a:r>
+              <a:rPr lang="en-US" dirty="0"/>
+              <a:t> of </a:t>
             </a:r>
             <a:r>
               <a:rPr lang="en-US" b="1" dirty="0"/>
-              <a:t>size</a:t>
-            </a:r>
-            <a:r>
-              <a:rPr lang="en-US" dirty="0"/>
-              <a:t>, </a:t>
+              <a:t>scripting</a:t>
+            </a:r>
+            <a:r>
+              <a:rPr lang="en-US" dirty="0"/>
+              <a:t> languages (</a:t>
+            </a:r>
+            <a:r>
+              <a:rPr lang="en-US" dirty="0" err="1"/>
+              <a:t>beanshell</a:t>
+            </a:r>
+            <a:r>
+              <a:rPr lang="en-US" dirty="0"/>
+              <a:t>, groovy, and even </a:t>
+            </a:r>
+            <a:r>
+              <a:rPr lang="en-US" dirty="0" err="1"/>
+              <a:t>javascript</a:t>
+            </a:r>
+            <a:r>
+              <a:rPr lang="en-US" dirty="0"/>
+              <a:t>) you can </a:t>
             </a:r>
             <a:r>
               <a:rPr lang="en-US" b="1" dirty="0"/>
-              <a:t>headers</a:t>
-            </a:r>
-            <a:r>
-              <a:rPr lang="en-US" dirty="0"/>
-              <a:t>, </a:t>
+              <a:t>customize</a:t>
+            </a:r>
+            <a:r>
+              <a:rPr lang="en-US" dirty="0"/>
+              <a:t> your API calls </a:t>
             </a:r>
             <a:r>
               <a:rPr lang="en-US" b="1" dirty="0"/>
-              <a:t>error codes</a:t>
-            </a:r>
-            <a:r>
-              <a:rPr lang="en-US" dirty="0"/>
-              <a:t> etc.</a:t>
-            </a:r>
-          </a:p>
-          <a:p>
-            <a:r>
-              <a:rPr lang="en-US" dirty="0"/>
-              <a:t>With the ability to </a:t>
+              <a:t>uniquely</a:t>
+            </a:r>
+            <a:r>
+              <a:rPr lang="en-US" dirty="0"/>
+              <a:t> per user, thus </a:t>
             </a:r>
             <a:r>
               <a:rPr lang="en-US" b="1" dirty="0"/>
-              <a:t>add more users </a:t>
-            </a:r>
-            <a:r>
-              <a:rPr lang="en-US" dirty="0"/>
-              <a:t>(or threads), the responses will generate a </a:t>
+              <a:t>adjusting the load </a:t>
+            </a:r>
+            <a:r>
+              <a:rPr lang="en-US" dirty="0"/>
+              <a:t>exactly as you want it. This allows you to </a:t>
             </a:r>
             <a:r>
               <a:rPr lang="en-US" b="1" dirty="0"/>
-              <a:t>realistic load </a:t>
-            </a:r>
-            <a:r>
-              <a:rPr lang="en-US" dirty="0"/>
-              <a:t>on the system, which can then be </a:t>
-            </a:r>
-            <a:r>
-              <a:rPr lang="en-US" b="1" dirty="0"/>
-              <a:t>recorded and analyzed</a:t>
-            </a:r>
-            <a:r>
-              <a:rPr lang="en-US" dirty="0"/>
-              <a:t>. </a:t>
-            </a:r>
-          </a:p>
-          <a:p>
-            <a:r>
-              <a:rPr lang="en-US" dirty="0"/>
-              <a:t>Furthermore, JMeter has a few tools that allow you to </a:t>
-            </a:r>
-            <a:r>
-              <a:rPr lang="en-US" b="1" dirty="0"/>
-              <a:t>visualize</a:t>
-            </a:r>
-            <a:r>
-              <a:rPr lang="en-US" dirty="0"/>
-              <a:t> the data as it gets gathered.</a:t>
-            </a:r>
+              <a:t>fine tune </a:t>
+            </a:r>
+            <a:r>
+              <a:rPr lang="en-US" dirty="0"/>
+              <a:t>the website load very precisely as you want it to be.</a:t>
+            </a:r>
+          </a:p>
+          <a:p>
+            <a:endParaRPr lang="en-US" dirty="0"/>
           </a:p>
         </p:txBody>
       </p:sp>
@@ -2580,7 +2863,7 @@
     </p:spTree>
     <p:extLst>
       <p:ext uri="{BB962C8B-B14F-4D97-AF65-F5344CB8AC3E}">
-        <p14:creationId xmlns:p14="http://schemas.microsoft.com/office/powerpoint/2010/main" val="468573554"/>
+        <p14:creationId xmlns:p14="http://schemas.microsoft.com/office/powerpoint/2010/main" val="324390762"/>
       </p:ext>
     </p:extLst>
   </p:cSld>
@@ -2636,153 +2919,32 @@
           <a:p>
             <a:r>
               <a:rPr lang="en-US" dirty="0"/>
-              <a:t>It has some additional functionality:</a:t>
-            </a:r>
-          </a:p>
-          <a:p>
-            <a:r>
-              <a:rPr lang="en-US" dirty="0"/>
-              <a:t>You can </a:t>
-            </a:r>
-            <a:r>
-              <a:rPr lang="en-US" b="1" dirty="0"/>
-              <a:t>modify</a:t>
-            </a:r>
-            <a:r>
-              <a:rPr lang="en-US" dirty="0"/>
-              <a:t> the requests </a:t>
-            </a:r>
-            <a:r>
-              <a:rPr lang="en-US" b="1" dirty="0"/>
-              <a:t>before</a:t>
-            </a:r>
-            <a:r>
-              <a:rPr lang="en-US" dirty="0"/>
-              <a:t> they’re sent and </a:t>
-            </a:r>
-            <a:r>
-              <a:rPr lang="en-US" b="1" dirty="0"/>
-              <a:t>after</a:t>
-            </a:r>
-            <a:r>
-              <a:rPr lang="en-US" dirty="0"/>
-              <a:t> the response is received. This mean you can perform user </a:t>
-            </a:r>
-            <a:r>
-              <a:rPr lang="en-US" b="1" dirty="0"/>
-              <a:t>logins</a:t>
-            </a:r>
-            <a:r>
-              <a:rPr lang="en-US" dirty="0"/>
-              <a:t> without actually touching the login servers, which make your tests very specific. </a:t>
-            </a:r>
-          </a:p>
-          <a:p>
-            <a:pPr marL="0" marR="0" lvl="0" indent="0" algn="l" defTabSz="914400" rtl="0" eaLnBrk="1" fontAlgn="auto" latinLnBrk="0" hangingPunct="1">
-              <a:lnSpc>
-                <a:spcPct val="100000"/>
-              </a:lnSpc>
-              <a:spcBef>
-                <a:spcPts val="0"/>
-              </a:spcBef>
-              <a:spcAft>
-                <a:spcPts val="0"/>
-              </a:spcAft>
-              <a:buClrTx/>
-              <a:buSzTx/>
-              <a:buFontTx/>
-              <a:buNone/>
-              <a:tabLst/>
-              <a:defRPr/>
-            </a:pPr>
-            <a:r>
-              <a:rPr lang="en-US" dirty="0"/>
-              <a:t>Example use: pull your password </a:t>
-            </a:r>
-            <a:r>
-              <a:rPr lang="en-US" b="1" dirty="0"/>
-              <a:t>salting</a:t>
-            </a:r>
-            <a:r>
-              <a:rPr lang="en-US" dirty="0"/>
-              <a:t> code directly from the repository, and perform the salting on the machine where JMeter is installed</a:t>
-            </a:r>
-          </a:p>
-          <a:p>
-            <a:endParaRPr lang="en-US" dirty="0"/>
-          </a:p>
-          <a:p>
-            <a:r>
-              <a:rPr lang="en-US" dirty="0"/>
-              <a:t>Because JMeter supports </a:t>
-            </a:r>
-            <a:r>
-              <a:rPr lang="en-US" b="1" dirty="0"/>
-              <a:t>variety</a:t>
-            </a:r>
-            <a:r>
-              <a:rPr lang="en-US" dirty="0"/>
-              <a:t> of </a:t>
-            </a:r>
-            <a:r>
-              <a:rPr lang="en-US" b="1" dirty="0"/>
-              <a:t>scripting</a:t>
-            </a:r>
-            <a:r>
-              <a:rPr lang="en-US" dirty="0"/>
-              <a:t> languages (</a:t>
-            </a:r>
-            <a:r>
-              <a:rPr lang="en-US" dirty="0" err="1"/>
-              <a:t>beanshell</a:t>
-            </a:r>
-            <a:r>
-              <a:rPr lang="en-US" dirty="0"/>
-              <a:t>, groovy, and even </a:t>
-            </a:r>
-            <a:r>
-              <a:rPr lang="en-US" dirty="0" err="1"/>
-              <a:t>javascript</a:t>
-            </a:r>
-            <a:r>
-              <a:rPr lang="en-US" dirty="0"/>
-              <a:t>) you can </a:t>
-            </a:r>
-            <a:r>
-              <a:rPr lang="en-US" b="1" dirty="0"/>
-              <a:t>customize</a:t>
-            </a:r>
-            <a:r>
-              <a:rPr lang="en-US" dirty="0"/>
-              <a:t> your API calls </a:t>
-            </a:r>
-            <a:r>
-              <a:rPr lang="en-US" b="1" dirty="0"/>
-              <a:t>uniquely</a:t>
-            </a:r>
-            <a:r>
-              <a:rPr lang="en-US" dirty="0"/>
-              <a:t> per user, thus </a:t>
-            </a:r>
-            <a:r>
-              <a:rPr lang="en-US" b="1" dirty="0"/>
-              <a:t>adjusting the load </a:t>
-            </a:r>
-            <a:r>
-              <a:rPr lang="en-US" dirty="0"/>
-              <a:t>exactly as you want it. This allows you to </a:t>
-            </a:r>
-            <a:r>
-              <a:rPr lang="en-US" b="1" dirty="0"/>
-              <a:t>fine tune </a:t>
-            </a:r>
-            <a:r>
-              <a:rPr lang="en-US" dirty="0"/>
-              <a:t>the website load very precisely as you want it to be.</a:t>
-            </a:r>
-          </a:p>
-          <a:p>
-            <a:endParaRPr lang="en-US" dirty="0"/>
+              <a:t>Because of its customizability, JMeter can be used to emulate pretty much anything, with some effort.</a:t>
+            </a:r>
+          </a:p>
+          <a:p>
+            <a:r>
+              <a:rPr lang="en-US" dirty="0"/>
+              <a:t>1: Can be used to ensure your API calls are checked for error codes. Every time you receive one, JMeter will fail the test. </a:t>
+            </a:r>
+          </a:p>
+          <a:p>
+            <a:r>
+              <a:rPr lang="en-US" dirty="0"/>
+              <a:t>2: Can be used to measure your website performance when a specific amount of users browse through it, thus creating a realistic expected response times.</a:t>
+            </a:r>
+          </a:p>
+          <a:p>
+            <a:r>
+              <a:rPr lang="en-US" dirty="0"/>
+              <a:t>3: The above can be maintained by running constant checks (say, every day) and looking at the graphs. This will visually let you know whether you performance increases and decreases, and thus will guide your development strategy</a:t>
+            </a:r>
+          </a:p>
+          <a:p>
+            <a:r>
+              <a:rPr lang="en-US" dirty="0"/>
+              <a:t>4: With some creative coding, can be used to scan your website for all the endpoints it has available to the user. This allows to identify slow-performing sections of the website, and even the ones that occasionally return error codes.</a:t>
+            </a:r>
           </a:p>
         </p:txBody>
       </p:sp>
@@ -2812,7 +2974,7 @@
     </p:spTree>
     <p:extLst>
       <p:ext uri="{BB962C8B-B14F-4D97-AF65-F5344CB8AC3E}">
-        <p14:creationId xmlns:p14="http://schemas.microsoft.com/office/powerpoint/2010/main" val="324390762"/>
+        <p14:creationId xmlns:p14="http://schemas.microsoft.com/office/powerpoint/2010/main" val="2746894620"/>
       </p:ext>
     </p:extLst>
   </p:cSld>
@@ -3261,174 +3423,6 @@
     <p:extLst>
       <p:ext uri="{BB962C8B-B14F-4D97-AF65-F5344CB8AC3E}">
         <p14:creationId xmlns:p14="http://schemas.microsoft.com/office/powerpoint/2010/main" val="1139051409"/>
-      </p:ext>
-    </p:extLst>
-  </p:cSld>
-  <p:clrMapOvr>
-    <a:masterClrMapping/>
-  </p:clrMapOvr>
-</p:sldLayout>
-</file>
-
-<file path=ppt/slideLayouts/slideLayout11.xml><?xml version="1.0" encoding="utf-8"?>
-<p:sldLayout xmlns:a="http://schemas.openxmlformats.org/drawingml/2006/main" xmlns:r="http://schemas.openxmlformats.org/officeDocument/2006/relationships" xmlns:p="http://schemas.openxmlformats.org/presentationml/2006/main" userDrawn="1">
-  <p:cSld name="Title and Content">
-    <p:spTree>
-      <p:nvGrpSpPr>
-        <p:cNvPr id="1" name=""/>
-        <p:cNvGrpSpPr/>
-        <p:nvPr/>
-      </p:nvGrpSpPr>
-      <p:grpSpPr>
-        <a:xfrm>
-          <a:off x="0" y="0"/>
-          <a:ext cx="0" cy="0"/>
-          <a:chOff x="0" y="0"/>
-          <a:chExt cx="0" cy="0"/>
-        </a:xfrm>
-      </p:grpSpPr>
-      <p:sp>
-        <p:nvSpPr>
-          <p:cNvPr id="3" name="Content Placeholder 2"/>
-          <p:cNvSpPr>
-            <a:spLocks noGrp="1"/>
-          </p:cNvSpPr>
-          <p:nvPr>
-            <p:ph idx="1"/>
-          </p:nvPr>
-        </p:nvSpPr>
-        <p:spPr/>
-        <p:txBody>
-          <a:bodyPr>
-            <a:normAutofit/>
-          </a:bodyPr>
-          <a:lstStyle>
-            <a:lvl1pPr marL="457200" indent="-457200">
-              <a:buFont typeface="Arial" panose="020B0604020202020204" pitchFamily="34" charset="0"/>
-              <a:buChar char="•"/>
-              <a:defRPr sz="2000">
-                <a:solidFill>
-                  <a:schemeClr val="tx1"/>
-                </a:solidFill>
-              </a:defRPr>
-            </a:lvl1pPr>
-            <a:lvl2pPr marL="914400" indent="-457200">
-              <a:buFont typeface="Arial" panose="020B0604020202020204" pitchFamily="34" charset="0"/>
-              <a:buChar char="•"/>
-              <a:defRPr sz="2000">
-                <a:solidFill>
-                  <a:schemeClr val="tx1"/>
-                </a:solidFill>
-              </a:defRPr>
-            </a:lvl2pPr>
-            <a:lvl3pPr marL="1257300" indent="-342900">
-              <a:buFont typeface="Arial" panose="020B0604020202020204" pitchFamily="34" charset="0"/>
-              <a:buChar char="•"/>
-              <a:defRPr sz="2000">
-                <a:solidFill>
-                  <a:schemeClr val="tx1"/>
-                </a:solidFill>
-              </a:defRPr>
-            </a:lvl3pPr>
-            <a:lvl4pPr marL="1714500" indent="-342900">
-              <a:buFont typeface="Arial" panose="020B0604020202020204" pitchFamily="34" charset="0"/>
-              <a:buChar char="•"/>
-              <a:defRPr sz="2000">
-                <a:solidFill>
-                  <a:schemeClr val="tx1"/>
-                </a:solidFill>
-              </a:defRPr>
-            </a:lvl4pPr>
-            <a:lvl5pPr marL="2171700" indent="-342900">
-              <a:buFont typeface="Arial" panose="020B0604020202020204" pitchFamily="34" charset="0"/>
-              <a:buChar char="•"/>
-              <a:defRPr sz="2000">
-                <a:solidFill>
-                  <a:schemeClr val="tx1"/>
-                </a:solidFill>
-              </a:defRPr>
-            </a:lvl5pPr>
-          </a:lstStyle>
-          <a:p>
-            <a:pPr lvl="0"/>
-            <a:r>
-              <a:rPr lang="en-US" dirty="0"/>
-              <a:t>Click to edit Master text styles</a:t>
-            </a:r>
-          </a:p>
-          <a:p>
-            <a:pPr lvl="1"/>
-            <a:r>
-              <a:rPr lang="en-US" dirty="0"/>
-              <a:t>Second level</a:t>
-            </a:r>
-          </a:p>
-          <a:p>
-            <a:pPr lvl="2"/>
-            <a:r>
-              <a:rPr lang="en-US" dirty="0"/>
-              <a:t>Third level</a:t>
-            </a:r>
-          </a:p>
-          <a:p>
-            <a:pPr lvl="3"/>
-            <a:r>
-              <a:rPr lang="en-US" dirty="0"/>
-              <a:t>Fourth level</a:t>
-            </a:r>
-          </a:p>
-          <a:p>
-            <a:pPr lvl="4"/>
-            <a:r>
-              <a:rPr lang="en-US" dirty="0"/>
-              <a:t>Fifth level</a:t>
-            </a:r>
-            <a:endParaRPr lang="en-GB" dirty="0"/>
-          </a:p>
-        </p:txBody>
-      </p:sp>
-      <p:sp>
-        <p:nvSpPr>
-          <p:cNvPr id="10" name="Footer Placeholder 4"/>
-          <p:cNvSpPr>
-            <a:spLocks noGrp="1"/>
-          </p:cNvSpPr>
-          <p:nvPr>
-            <p:ph type="ftr" sz="quarter" idx="3"/>
-          </p:nvPr>
-        </p:nvSpPr>
-        <p:spPr>
-          <a:xfrm>
-            <a:off x="4165600" y="6356352"/>
-            <a:ext cx="3860800" cy="365125"/>
-          </a:xfrm>
-          <a:prstGeom prst="rect">
-            <a:avLst/>
-          </a:prstGeom>
-        </p:spPr>
-        <p:txBody>
-          <a:bodyPr vert="horz" lIns="91440" tIns="45720" rIns="91440" bIns="45720" rtlCol="0" anchor="ctr"/>
-          <a:lstStyle>
-            <a:lvl1pPr algn="ctr">
-              <a:defRPr sz="1200">
-                <a:solidFill>
-                  <a:schemeClr val="tx1"/>
-                </a:solidFill>
-              </a:defRPr>
-            </a:lvl1pPr>
-          </a:lstStyle>
-          <a:p>
-            <a:r>
-              <a:rPr lang="en-GB" dirty="0"/>
-              <a:t>Commercial In Confidence  </a:t>
-            </a:r>
-          </a:p>
-        </p:txBody>
-      </p:sp>
-    </p:spTree>
-    <p:extLst>
-      <p:ext uri="{BB962C8B-B14F-4D97-AF65-F5344CB8AC3E}">
-        <p14:creationId xmlns:p14="http://schemas.microsoft.com/office/powerpoint/2010/main" val="518335052"/>
       </p:ext>
     </p:extLst>
   </p:cSld>
@@ -5481,7 +5475,6 @@
     <p:sldLayoutId id="2147483678" r:id="rId8"/>
     <p:sldLayoutId id="2147483652" r:id="rId9"/>
     <p:sldLayoutId id="2147483653" r:id="rId10"/>
-    <p:sldLayoutId id="2147483679" r:id="rId11"/>
   </p:sldLayoutIdLst>
   <p:txStyles>
     <p:titleStyle>
@@ -5793,38 +5786,53 @@
       </p:grpSpPr>
       <p:pic>
         <p:nvPicPr>
-          <p:cNvPr id="5" name="Picture 4">
+          <p:cNvPr id="1026" name="Picture 2" descr="https://secure.meetupstatic.com/photos/event/5/a/d/a/600_479003258.jpeg">
             <a:extLst>
               <a:ext uri="{FF2B5EF4-FFF2-40B4-BE49-F238E27FC236}">
-                <a16:creationId xmlns:a16="http://schemas.microsoft.com/office/drawing/2014/main" id="{69EA6A7E-3B87-4241-8A0B-6B14B0356760}"/>
+                <a16:creationId xmlns:a16="http://schemas.microsoft.com/office/drawing/2014/main" id="{9943BE25-C4DB-49A6-A5BA-52E82F249A2F}"/>
               </a:ext>
             </a:extLst>
           </p:cNvPr>
           <p:cNvPicPr>
-            <a:picLocks noChangeAspect="1"/>
+            <a:picLocks noChangeAspect="1" noChangeArrowheads="1"/>
           </p:cNvPicPr>
           <p:nvPr/>
         </p:nvPicPr>
-        <p:blipFill>
-          <a:blip r:embed="rId3"/>
-          <a:stretch>
-            <a:fillRect/>
-          </a:stretch>
+        <p:blipFill rotWithShape="1">
+          <a:blip r:embed="rId2">
+            <a:extLst>
+              <a:ext uri="{28A0092B-C50C-407E-A947-70E740481C1C}">
+                <a14:useLocalDpi xmlns:a14="http://schemas.microsoft.com/office/drawing/2010/main" val="0"/>
+              </a:ext>
+            </a:extLst>
+          </a:blip>
+          <a:srcRect/>
+          <a:stretch/>
         </p:blipFill>
-        <p:spPr>
+        <p:spPr bwMode="auto">
           <a:xfrm>
-            <a:off x="486228" y="0"/>
-            <a:ext cx="11219543" cy="6783555"/>
+            <a:off x="20" y="10"/>
+            <a:ext cx="12191980" cy="6857990"/>
           </a:xfrm>
           <a:prstGeom prst="rect">
             <a:avLst/>
           </a:prstGeom>
+          <a:noFill/>
+          <a:extLst>
+            <a:ext uri="{909E8E84-426E-40DD-AFC4-6F175D3DCCD1}">
+              <a14:hiddenFill xmlns:a14="http://schemas.microsoft.com/office/drawing/2010/main">
+                <a:solidFill>
+                  <a:srgbClr val="FFFFFF"/>
+                </a:solidFill>
+              </a14:hiddenFill>
+            </a:ext>
+          </a:extLst>
         </p:spPr>
       </p:pic>
     </p:spTree>
     <p:extLst>
       <p:ext uri="{BB962C8B-B14F-4D97-AF65-F5344CB8AC3E}">
-        <p14:creationId xmlns:p14="http://schemas.microsoft.com/office/powerpoint/2010/main" val="1606469528"/>
+        <p14:creationId xmlns:p14="http://schemas.microsoft.com/office/powerpoint/2010/main" val="1346873007"/>
       </p:ext>
     </p:extLst>
   </p:cSld>
@@ -5853,10 +5861,10 @@
       </p:grpSpPr>
       <p:sp>
         <p:nvSpPr>
-          <p:cNvPr id="9" name="Title 8">
+          <p:cNvPr id="4" name="Title 3">
             <a:extLst>
               <a:ext uri="{FF2B5EF4-FFF2-40B4-BE49-F238E27FC236}">
-                <a16:creationId xmlns:a16="http://schemas.microsoft.com/office/drawing/2014/main" id="{86482CD7-2BBF-7A40-8B6A-2B4A7DC13918}"/>
+                <a16:creationId xmlns:a16="http://schemas.microsoft.com/office/drawing/2014/main" id="{F0C7DB62-4A40-0945-8215-F3AD5C4C5539}"/>
               </a:ext>
             </a:extLst>
           </p:cNvPr>
@@ -5867,24 +5875,19 @@
             <p:ph type="title"/>
           </p:nvPr>
         </p:nvSpPr>
-        <p:spPr>
-          <a:xfrm>
-            <a:off x="0" y="728133"/>
-            <a:ext cx="3683000" cy="3234267"/>
-          </a:xfrm>
-        </p:spPr>
+        <p:spPr/>
         <p:txBody>
           <a:bodyPr/>
           <a:lstStyle/>
           <a:p>
             <a:r>
-              <a:rPr lang="en-GB" sz="5400" b="1" dirty="0">
+              <a:rPr lang="en-GB" b="1" dirty="0">
                 <a:solidFill>
                   <a:srgbClr val="000000"/>
                 </a:solidFill>
-                <a:latin typeface="AppleSystemUIFontBold"/>
+                <a:latin typeface="AppleSystemUIFont"/>
               </a:rPr>
-              <a:t>Additionally</a:t>
+              <a:t>Other Possible JMeter™ Uses</a:t>
             </a:r>
             <a:endParaRPr lang="en-US" dirty="0"/>
           </a:p>
@@ -5892,10 +5895,10 @@
       </p:sp>
       <p:sp>
         <p:nvSpPr>
-          <p:cNvPr id="10" name="Content Placeholder 9">
+          <p:cNvPr id="5" name="Content Placeholder 4">
             <a:extLst>
               <a:ext uri="{FF2B5EF4-FFF2-40B4-BE49-F238E27FC236}">
-                <a16:creationId xmlns:a16="http://schemas.microsoft.com/office/drawing/2014/main" id="{3E44BD7F-C301-B246-A837-5A9132AC45D8}"/>
+                <a16:creationId xmlns:a16="http://schemas.microsoft.com/office/drawing/2014/main" id="{B06D7839-3856-6645-B39F-BE8926479CF3}"/>
               </a:ext>
             </a:extLst>
           </p:cNvPr>
@@ -5906,17 +5909,14 @@
             <p:ph idx="1"/>
           </p:nvPr>
         </p:nvSpPr>
-        <p:spPr>
-          <a:xfrm>
-            <a:off x="4250266" y="728133"/>
-            <a:ext cx="7551590" cy="5672667"/>
-          </a:xfrm>
-        </p:spPr>
+        <p:spPr/>
         <p:txBody>
           <a:bodyPr/>
           <a:lstStyle/>
           <a:p>
-            <a:pPr fontAlgn="base"/>
+            <a:pPr marL="0" indent="0" fontAlgn="base">
+              <a:buNone/>
+            </a:pPr>
             <a:r>
               <a:rPr lang="en-US" dirty="0">
                 <a:solidFill>
@@ -5924,20 +5924,11 @@
                 </a:solidFill>
                 <a:latin typeface="AppleSystemUIFont"/>
               </a:rPr>
-              <a:t>Can modify requests / responses uniquely per user</a:t>
+              <a:t>Versatile – can be used in a variety of ways</a:t>
             </a:r>
           </a:p>
           <a:p>
             <a:pPr fontAlgn="base"/>
-            <a:r>
-              <a:rPr lang="en-US" dirty="0">
-                <a:solidFill>
-                  <a:srgbClr val="000000"/>
-                </a:solidFill>
-                <a:latin typeface="AppleSystemUIFont"/>
-              </a:rPr>
-              <a:t>Supports per-user variables</a:t>
-            </a:r>
             <a:endParaRPr lang="en-US" dirty="0">
               <a:solidFill>
                 <a:srgbClr val="000000"/>
@@ -5954,7 +5945,7 @@
                 </a:solidFill>
                 <a:latin typeface="AppleSystemUIFont"/>
               </a:rPr>
-              <a:t>Extendable modifiers, such as: </a:t>
+              <a:t>Example use 1: functional API testing with assertions</a:t>
             </a:r>
             <a:endParaRPr lang="en-US" dirty="0">
               <a:solidFill>
@@ -5964,10 +5955,7 @@
             </a:endParaRPr>
           </a:p>
           <a:p>
-            <a:pPr marL="457200" indent="-457200" fontAlgn="base">
-              <a:buFont typeface="Arial" panose="020B0604020202020204" pitchFamily="34" charset="0"/>
-              <a:buChar char="•"/>
-            </a:pPr>
+            <a:pPr fontAlgn="base"/>
             <a:r>
               <a:rPr lang="en-US" dirty="0">
                 <a:solidFill>
@@ -5975,7 +5963,7 @@
                 </a:solidFill>
                 <a:latin typeface="AppleSystemUIFont"/>
               </a:rPr>
-              <a:t>Password salting </a:t>
+              <a:t>Example use 2: website benchmarking </a:t>
             </a:r>
             <a:endParaRPr lang="en-US" dirty="0">
               <a:solidFill>
@@ -5985,10 +5973,7 @@
             </a:endParaRPr>
           </a:p>
           <a:p>
-            <a:pPr marL="457200" indent="-457200" fontAlgn="base">
-              <a:buFont typeface="Arial" panose="020B0604020202020204" pitchFamily="34" charset="0"/>
-              <a:buChar char="•"/>
-            </a:pPr>
+            <a:pPr fontAlgn="base"/>
             <a:r>
               <a:rPr lang="en-US" dirty="0">
                 <a:solidFill>
@@ -5996,7 +5981,7 @@
                 </a:solidFill>
                 <a:latin typeface="AppleSystemUIFont"/>
               </a:rPr>
-              <a:t>Token generation </a:t>
+              <a:t>Example use 3: application performance monitoring </a:t>
             </a:r>
             <a:endParaRPr lang="en-US" dirty="0">
               <a:solidFill>
@@ -6006,10 +5991,7 @@
             </a:endParaRPr>
           </a:p>
           <a:p>
-            <a:pPr marL="457200" indent="-457200" fontAlgn="base">
-              <a:buFont typeface="Arial" panose="020B0604020202020204" pitchFamily="34" charset="0"/>
-              <a:buChar char="•"/>
-            </a:pPr>
+            <a:pPr fontAlgn="base"/>
             <a:r>
               <a:rPr lang="en-US" dirty="0">
                 <a:solidFill>
@@ -6017,7 +5999,7 @@
                 </a:solidFill>
                 <a:latin typeface="AppleSystemUIFont"/>
               </a:rPr>
-              <a:t>Coding / scripting supported </a:t>
+              <a:t>Example use 4: web crawling, spidering </a:t>
             </a:r>
             <a:endParaRPr lang="en-US" dirty="0">
               <a:solidFill>
@@ -6026,12 +6008,15 @@
               <a:latin typeface="Segoe UI" panose="020B0502040204020203" pitchFamily="34" charset="0"/>
             </a:endParaRPr>
           </a:p>
+          <a:p>
+            <a:endParaRPr lang="en-US" dirty="0"/>
+          </a:p>
         </p:txBody>
       </p:sp>
     </p:spTree>
     <p:extLst>
       <p:ext uri="{BB962C8B-B14F-4D97-AF65-F5344CB8AC3E}">
-        <p14:creationId xmlns:p14="http://schemas.microsoft.com/office/powerpoint/2010/main" val="4266933987"/>
+        <p14:creationId xmlns:p14="http://schemas.microsoft.com/office/powerpoint/2010/main" val="1393423361"/>
       </p:ext>
     </p:extLst>
   </p:cSld>
@@ -6063,322 +6048,6 @@
           <p:cNvPr id="4" name="Title 3">
             <a:extLst>
               <a:ext uri="{FF2B5EF4-FFF2-40B4-BE49-F238E27FC236}">
-                <a16:creationId xmlns:a16="http://schemas.microsoft.com/office/drawing/2014/main" id="{F0C7DB62-4A40-0945-8215-F3AD5C4C5539}"/>
-              </a:ext>
-            </a:extLst>
-          </p:cNvPr>
-          <p:cNvSpPr>
-            <a:spLocks noGrp="1"/>
-          </p:cNvSpPr>
-          <p:nvPr>
-            <p:ph type="title"/>
-          </p:nvPr>
-        </p:nvSpPr>
-        <p:spPr/>
-        <p:txBody>
-          <a:bodyPr/>
-          <a:lstStyle/>
-          <a:p>
-            <a:r>
-              <a:rPr lang="en-GB" b="1" dirty="0">
-                <a:solidFill>
-                  <a:srgbClr val="000000"/>
-                </a:solidFill>
-                <a:latin typeface="AppleSystemUIFont"/>
-              </a:rPr>
-              <a:t>Other Possible JMeter™ Uses</a:t>
-            </a:r>
-            <a:endParaRPr lang="en-US" dirty="0"/>
-          </a:p>
-        </p:txBody>
-      </p:sp>
-      <p:sp>
-        <p:nvSpPr>
-          <p:cNvPr id="5" name="Content Placeholder 4">
-            <a:extLst>
-              <a:ext uri="{FF2B5EF4-FFF2-40B4-BE49-F238E27FC236}">
-                <a16:creationId xmlns:a16="http://schemas.microsoft.com/office/drawing/2014/main" id="{B06D7839-3856-6645-B39F-BE8926479CF3}"/>
-              </a:ext>
-            </a:extLst>
-          </p:cNvPr>
-          <p:cNvSpPr>
-            <a:spLocks noGrp="1"/>
-          </p:cNvSpPr>
-          <p:nvPr>
-            <p:ph idx="1"/>
-          </p:nvPr>
-        </p:nvSpPr>
-        <p:spPr/>
-        <p:txBody>
-          <a:bodyPr/>
-          <a:lstStyle/>
-          <a:p>
-            <a:pPr marL="0" indent="0" fontAlgn="base">
-              <a:buNone/>
-            </a:pPr>
-            <a:r>
-              <a:rPr lang="en-US" dirty="0">
-                <a:solidFill>
-                  <a:srgbClr val="000000"/>
-                </a:solidFill>
-                <a:latin typeface="AppleSystemUIFont"/>
-              </a:rPr>
-              <a:t>Versatile – can be used in a variety of ways</a:t>
-            </a:r>
-          </a:p>
-          <a:p>
-            <a:pPr fontAlgn="base"/>
-            <a:endParaRPr lang="en-US" dirty="0">
-              <a:solidFill>
-                <a:srgbClr val="000000"/>
-              </a:solidFill>
-              <a:latin typeface="Segoe UI" panose="020B0502040204020203" pitchFamily="34" charset="0"/>
-            </a:endParaRPr>
-          </a:p>
-          <a:p>
-            <a:pPr fontAlgn="base"/>
-            <a:r>
-              <a:rPr lang="en-US" dirty="0">
-                <a:solidFill>
-                  <a:srgbClr val="000000"/>
-                </a:solidFill>
-                <a:latin typeface="AppleSystemUIFont"/>
-              </a:rPr>
-              <a:t>Example use 1: functional API testing with assertions</a:t>
-            </a:r>
-            <a:endParaRPr lang="en-US" dirty="0">
-              <a:solidFill>
-                <a:srgbClr val="000000"/>
-              </a:solidFill>
-              <a:latin typeface="Segoe UI" panose="020B0502040204020203" pitchFamily="34" charset="0"/>
-            </a:endParaRPr>
-          </a:p>
-          <a:p>
-            <a:pPr fontAlgn="base"/>
-            <a:r>
-              <a:rPr lang="en-US" dirty="0">
-                <a:solidFill>
-                  <a:srgbClr val="000000"/>
-                </a:solidFill>
-                <a:latin typeface="AppleSystemUIFont"/>
-              </a:rPr>
-              <a:t>Example use 2: website benchmarking </a:t>
-            </a:r>
-            <a:endParaRPr lang="en-US" dirty="0">
-              <a:solidFill>
-                <a:srgbClr val="000000"/>
-              </a:solidFill>
-              <a:latin typeface="Segoe UI" panose="020B0502040204020203" pitchFamily="34" charset="0"/>
-            </a:endParaRPr>
-          </a:p>
-          <a:p>
-            <a:pPr fontAlgn="base"/>
-            <a:r>
-              <a:rPr lang="en-US" dirty="0">
-                <a:solidFill>
-                  <a:srgbClr val="000000"/>
-                </a:solidFill>
-                <a:latin typeface="AppleSystemUIFont"/>
-              </a:rPr>
-              <a:t>Example use 3: application performance monitoring </a:t>
-            </a:r>
-            <a:endParaRPr lang="en-US" dirty="0">
-              <a:solidFill>
-                <a:srgbClr val="000000"/>
-              </a:solidFill>
-              <a:latin typeface="Segoe UI" panose="020B0502040204020203" pitchFamily="34" charset="0"/>
-            </a:endParaRPr>
-          </a:p>
-          <a:p>
-            <a:pPr fontAlgn="base"/>
-            <a:r>
-              <a:rPr lang="en-US" dirty="0">
-                <a:solidFill>
-                  <a:srgbClr val="000000"/>
-                </a:solidFill>
-                <a:latin typeface="AppleSystemUIFont"/>
-              </a:rPr>
-              <a:t>Example use 4: web crawling, spidering </a:t>
-            </a:r>
-            <a:endParaRPr lang="en-US" dirty="0">
-              <a:solidFill>
-                <a:srgbClr val="000000"/>
-              </a:solidFill>
-              <a:latin typeface="Segoe UI" panose="020B0502040204020203" pitchFamily="34" charset="0"/>
-            </a:endParaRPr>
-          </a:p>
-          <a:p>
-            <a:endParaRPr lang="en-US" dirty="0"/>
-          </a:p>
-        </p:txBody>
-      </p:sp>
-    </p:spTree>
-    <p:extLst>
-      <p:ext uri="{BB962C8B-B14F-4D97-AF65-F5344CB8AC3E}">
-        <p14:creationId xmlns:p14="http://schemas.microsoft.com/office/powerpoint/2010/main" val="1393423361"/>
-      </p:ext>
-    </p:extLst>
-  </p:cSld>
-  <p:clrMapOvr>
-    <a:masterClrMapping/>
-  </p:clrMapOvr>
-</p:sld>
-</file>
-
-<file path=ppt/slides/slide12.xml><?xml version="1.0" encoding="utf-8"?>
-<p:sld xmlns:a="http://schemas.openxmlformats.org/drawingml/2006/main" xmlns:r="http://schemas.openxmlformats.org/officeDocument/2006/relationships" xmlns:p="http://schemas.openxmlformats.org/presentationml/2006/main">
-  <p:cSld>
-    <p:spTree>
-      <p:nvGrpSpPr>
-        <p:cNvPr id="1" name=""/>
-        <p:cNvGrpSpPr/>
-        <p:nvPr/>
-      </p:nvGrpSpPr>
-      <p:grpSpPr>
-        <a:xfrm>
-          <a:off x="0" y="0"/>
-          <a:ext cx="0" cy="0"/>
-          <a:chOff x="0" y="0"/>
-          <a:chExt cx="0" cy="0"/>
-        </a:xfrm>
-      </p:grpSpPr>
-      <p:sp>
-        <p:nvSpPr>
-          <p:cNvPr id="3" name="Subtitle 2">
-            <a:extLst>
-              <a:ext uri="{FF2B5EF4-FFF2-40B4-BE49-F238E27FC236}">
-                <a16:creationId xmlns:a16="http://schemas.microsoft.com/office/drawing/2014/main" id="{E79DBE9E-C3EA-9248-8E60-9A252EE6484A}"/>
-              </a:ext>
-            </a:extLst>
-          </p:cNvPr>
-          <p:cNvSpPr>
-            <a:spLocks noGrp="1"/>
-          </p:cNvSpPr>
-          <p:nvPr>
-            <p:ph idx="1"/>
-          </p:nvPr>
-        </p:nvSpPr>
-        <p:spPr>
-          <a:xfrm>
-            <a:off x="0" y="1739900"/>
-            <a:ext cx="12192000" cy="2679699"/>
-          </a:xfrm>
-        </p:spPr>
-        <p:txBody>
-          <a:bodyPr>
-            <a:normAutofit/>
-          </a:bodyPr>
-          <a:lstStyle/>
-          <a:p>
-            <a:r>
-              <a:rPr lang="en-US" dirty="0"/>
-              <a:t>Login Details</a:t>
-            </a:r>
-          </a:p>
-          <a:p>
-            <a:pPr lvl="1"/>
-            <a:r>
-              <a:rPr lang="en-GB" dirty="0">
-                <a:solidFill>
-                  <a:schemeClr val="tx2"/>
-                </a:solidFill>
-              </a:rPr>
-              <a:t>Link</a:t>
-            </a:r>
-            <a:r>
-              <a:rPr lang="en-GB" dirty="0"/>
-              <a:t>: </a:t>
-            </a:r>
-            <a:r>
-              <a:rPr lang="en-GB" dirty="0">
-                <a:hlinkClick r:id="rId2"/>
-              </a:rPr>
-              <a:t>http://www.devopsplayground.com/guacamole/</a:t>
-            </a:r>
-            <a:endParaRPr lang="en-GB" dirty="0"/>
-          </a:p>
-          <a:p>
-            <a:pPr lvl="1"/>
-            <a:r>
-              <a:rPr lang="en-GB" dirty="0"/>
-              <a:t>User: user#</a:t>
-            </a:r>
-          </a:p>
-          <a:p>
-            <a:pPr lvl="1"/>
-            <a:r>
-              <a:rPr lang="en-GB" dirty="0"/>
-              <a:t>Password: password#</a:t>
-            </a:r>
-            <a:endParaRPr lang="en-US" dirty="0"/>
-          </a:p>
-        </p:txBody>
-      </p:sp>
-      <p:pic>
-        <p:nvPicPr>
-          <p:cNvPr id="4" name="Picture 3">
-            <a:extLst>
-              <a:ext uri="{FF2B5EF4-FFF2-40B4-BE49-F238E27FC236}">
-                <a16:creationId xmlns:a16="http://schemas.microsoft.com/office/drawing/2014/main" id="{AF7D8244-0537-DA4A-A71A-2DCE36E1BF08}"/>
-              </a:ext>
-            </a:extLst>
-          </p:cNvPr>
-          <p:cNvPicPr>
-            <a:picLocks noChangeAspect="1"/>
-          </p:cNvPicPr>
-          <p:nvPr/>
-        </p:nvPicPr>
-        <p:blipFill>
-          <a:blip r:embed="rId3"/>
-          <a:stretch>
-            <a:fillRect/>
-          </a:stretch>
-        </p:blipFill>
-        <p:spPr>
-          <a:xfrm>
-            <a:off x="10230678" y="1894783"/>
-            <a:ext cx="1961322" cy="2369931"/>
-          </a:xfrm>
-          <a:prstGeom prst="rect">
-            <a:avLst/>
-          </a:prstGeom>
-        </p:spPr>
-      </p:pic>
-    </p:spTree>
-    <p:extLst>
-      <p:ext uri="{BB962C8B-B14F-4D97-AF65-F5344CB8AC3E}">
-        <p14:creationId xmlns:p14="http://schemas.microsoft.com/office/powerpoint/2010/main" val="2834188869"/>
-      </p:ext>
-    </p:extLst>
-  </p:cSld>
-  <p:clrMapOvr>
-    <a:masterClrMapping/>
-  </p:clrMapOvr>
-</p:sld>
-</file>
-
-<file path=ppt/slides/slide13.xml><?xml version="1.0" encoding="utf-8"?>
-<p:sld xmlns:a="http://schemas.openxmlformats.org/drawingml/2006/main" xmlns:r="http://schemas.openxmlformats.org/officeDocument/2006/relationships" xmlns:p="http://schemas.openxmlformats.org/presentationml/2006/main">
-  <p:cSld>
-    <p:spTree>
-      <p:nvGrpSpPr>
-        <p:cNvPr id="1" name=""/>
-        <p:cNvGrpSpPr/>
-        <p:nvPr/>
-      </p:nvGrpSpPr>
-      <p:grpSpPr>
-        <a:xfrm>
-          <a:off x="0" y="0"/>
-          <a:ext cx="0" cy="0"/>
-          <a:chOff x="0" y="0"/>
-          <a:chExt cx="0" cy="0"/>
-        </a:xfrm>
-      </p:grpSpPr>
-      <p:sp>
-        <p:nvSpPr>
-          <p:cNvPr id="4" name="Title 3">
-            <a:extLst>
-              <a:ext uri="{FF2B5EF4-FFF2-40B4-BE49-F238E27FC236}">
                 <a16:creationId xmlns:a16="http://schemas.microsoft.com/office/drawing/2014/main" id="{55EEDCC3-B6AC-774A-B3A6-87F25DBC39BC}"/>
               </a:ext>
             </a:extLst>
@@ -6570,7 +6239,7 @@
 </p:sld>
 </file>
 
-<file path=ppt/slides/slide14.xml><?xml version="1.0" encoding="utf-8"?>
+<file path=ppt/slides/slide12.xml><?xml version="1.0" encoding="utf-8"?>
 <p:sld xmlns:a="http://schemas.openxmlformats.org/drawingml/2006/main" xmlns:r="http://schemas.openxmlformats.org/officeDocument/2006/relationships" xmlns:p="http://schemas.openxmlformats.org/presentationml/2006/main">
   <p:cSld>
     <p:spTree>
@@ -6602,7 +6271,7 @@
           <p:nvPr/>
         </p:nvPicPr>
         <p:blipFill>
-          <a:blip r:embed="rId2">
+          <a:blip r:embed="rId3">
             <a:extLst>
               <a:ext uri="{28A0092B-C50C-407E-A947-70E740481C1C}">
                 <a14:useLocalDpi xmlns:a14="http://schemas.microsoft.com/office/drawing/2010/main" val="0"/>
@@ -6756,7 +6425,7 @@
           <a:p>
             <a:r>
               <a:rPr lang="en-GB" dirty="0">
-                <a:hlinkClick r:id="rId3"/>
+                <a:hlinkClick r:id="rId4"/>
               </a:rPr>
               <a:t>https://www.guru99.com/jmeter-performance-testing.html</a:t>
             </a:r>
@@ -6777,7 +6446,7 @@
 </p:sld>
 </file>
 
-<file path=ppt/slides/slide15.xml><?xml version="1.0" encoding="utf-8"?>
+<file path=ppt/slides/slide13.xml><?xml version="1.0" encoding="utf-8"?>
 <p:sld xmlns:a="http://schemas.openxmlformats.org/drawingml/2006/main" xmlns:r="http://schemas.openxmlformats.org/officeDocument/2006/relationships" xmlns:p="http://schemas.openxmlformats.org/presentationml/2006/main">
   <p:cSld>
     <p:spTree>
@@ -6850,7 +6519,7 @@
           <p:nvPr/>
         </p:nvPicPr>
         <p:blipFill>
-          <a:blip r:embed="rId2"/>
+          <a:blip r:embed="rId3"/>
           <a:stretch>
             <a:fillRect/>
           </a:stretch>
@@ -7111,7 +6780,7 @@
           <a:p>
             <a:r>
               <a:rPr lang="en-GB" dirty="0">
-                <a:hlinkClick r:id="rId3"/>
+                <a:hlinkClick r:id="rId4"/>
               </a:rPr>
               <a:t>https://www.guru99.com/jenkins-jmeter-blazemeter.html</a:t>
             </a:r>
@@ -7132,7 +6801,7 @@
 </p:sld>
 </file>
 
-<file path=ppt/slides/slide16.xml><?xml version="1.0" encoding="utf-8"?>
+<file path=ppt/slides/slide14.xml><?xml version="1.0" encoding="utf-8"?>
 <p:sld xmlns:a="http://schemas.openxmlformats.org/drawingml/2006/main" xmlns:r="http://schemas.openxmlformats.org/officeDocument/2006/relationships" xmlns:p="http://schemas.openxmlformats.org/presentationml/2006/main">
   <p:cSld>
     <p:spTree>
@@ -7164,7 +6833,7 @@
           <p:nvPr/>
         </p:nvPicPr>
         <p:blipFill>
-          <a:blip r:embed="rId2"/>
+          <a:blip r:embed="rId3"/>
           <a:stretch>
             <a:fillRect/>
           </a:stretch>
@@ -7437,43 +7106,6 @@
           </a:p>
         </p:txBody>
       </p:sp>
-      <p:sp>
-        <p:nvSpPr>
-          <p:cNvPr id="10" name="Rectangle 9">
-            <a:extLst>
-              <a:ext uri="{FF2B5EF4-FFF2-40B4-BE49-F238E27FC236}">
-                <a16:creationId xmlns:a16="http://schemas.microsoft.com/office/drawing/2014/main" id="{E3491266-F111-4D9D-AAA1-094FA7AAEB4D}"/>
-              </a:ext>
-            </a:extLst>
-          </p:cNvPr>
-          <p:cNvSpPr/>
-          <p:nvPr/>
-        </p:nvSpPr>
-        <p:spPr>
-          <a:xfrm>
-            <a:off x="6577130" y="6488668"/>
-            <a:ext cx="5614870" cy="369332"/>
-          </a:xfrm>
-          <a:prstGeom prst="rect">
-            <a:avLst/>
-          </a:prstGeom>
-        </p:spPr>
-        <p:txBody>
-          <a:bodyPr wrap="none">
-            <a:spAutoFit/>
-          </a:bodyPr>
-          <a:lstStyle/>
-          <a:p>
-            <a:r>
-              <a:rPr lang="en-GB" dirty="0">
-                <a:hlinkClick r:id="rId3"/>
-              </a:rPr>
-              <a:t>https://www.guru99.com/jenkins-jmeter-blazemeter.html</a:t>
-            </a:r>
-            <a:endParaRPr lang="en-GB" dirty="0"/>
-          </a:p>
-        </p:txBody>
-      </p:sp>
     </p:spTree>
     <p:extLst>
       <p:ext uri="{BB962C8B-B14F-4D97-AF65-F5344CB8AC3E}">
@@ -7487,7 +7119,7 @@
 </p:sld>
 </file>
 
-<file path=ppt/slides/slide17.xml><?xml version="1.0" encoding="utf-8"?>
+<file path=ppt/slides/slide15.xml><?xml version="1.0" encoding="utf-8"?>
 <p:sld xmlns:a="http://schemas.openxmlformats.org/drawingml/2006/main" xmlns:r="http://schemas.openxmlformats.org/officeDocument/2006/relationships" xmlns:p="http://schemas.openxmlformats.org/presentationml/2006/main">
   <p:cSld>
     <p:spTree>
@@ -7581,13 +7213,7 @@
               <a:rPr lang="en-US" sz="3100" dirty="0">
                 <a:hlinkClick r:id="rId3"/>
               </a:rPr>
-              <a:t>Boris.Levanov@ecs-digital.co.u</a:t>
-            </a:r>
-            <a:r>
-              <a:rPr lang="en-US" sz="3100" dirty="0">
-                <a:hlinkClick r:id="rId3"/>
-              </a:rPr>
-              <a:t>k</a:t>
+              <a:t>Boris.Levanov@ecs-digital.co.uk</a:t>
             </a:r>
             <a:endParaRPr lang="en-US" sz="3100" dirty="0"/>
           </a:p>
@@ -7636,7 +7262,7 @@
 </p:sld>
 </file>
 
-<file path=ppt/slides/slide18.xml><?xml version="1.0" encoding="utf-8"?>
+<file path=ppt/slides/slide16.xml><?xml version="1.0" encoding="utf-8"?>
 <p:sld xmlns:a="http://schemas.openxmlformats.org/drawingml/2006/main" xmlns:r="http://schemas.openxmlformats.org/officeDocument/2006/relationships" xmlns:p="http://schemas.openxmlformats.org/presentationml/2006/main">
   <p:cSld>
     <p:spTree>
@@ -7755,14 +7381,6 @@
 <file path=ppt/slides/slide2.xml><?xml version="1.0" encoding="utf-8"?>
 <p:sld xmlns:a="http://schemas.openxmlformats.org/drawingml/2006/main" xmlns:r="http://schemas.openxmlformats.org/officeDocument/2006/relationships" xmlns:p="http://schemas.openxmlformats.org/presentationml/2006/main">
   <p:cSld>
-    <p:bg>
-      <p:bgPr>
-        <a:solidFill>
-          <a:schemeClr val="bg1"/>
-        </a:solidFill>
-        <a:effectLst/>
-      </p:bgPr>
-    </p:bg>
     <p:spTree>
       <p:nvGrpSpPr>
         <p:cNvPr id="1" name=""/>
@@ -7777,55 +7395,55 @@
           <a:chExt cx="0" cy="0"/>
         </a:xfrm>
       </p:grpSpPr>
-      <p:pic>
-        <p:nvPicPr>
-          <p:cNvPr id="1026" name="Picture 2" descr="https://secure.meetupstatic.com/photos/event/5/a/d/a/600_479003258.jpeg">
+      <p:sp>
+        <p:nvSpPr>
+          <p:cNvPr id="3" name="Subtitle 2">
             <a:extLst>
               <a:ext uri="{FF2B5EF4-FFF2-40B4-BE49-F238E27FC236}">
-                <a16:creationId xmlns:a16="http://schemas.microsoft.com/office/drawing/2014/main" id="{9943BE25-C4DB-49A6-A5BA-52E82F249A2F}"/>
+                <a16:creationId xmlns:a16="http://schemas.microsoft.com/office/drawing/2014/main" id="{E79DBE9E-C3EA-9248-8E60-9A252EE6484A}"/>
               </a:ext>
             </a:extLst>
           </p:cNvPr>
-          <p:cNvPicPr>
-            <a:picLocks noChangeAspect="1" noChangeArrowheads="1"/>
-          </p:cNvPicPr>
-          <p:nvPr/>
-        </p:nvPicPr>
-        <p:blipFill rotWithShape="1">
-          <a:blip r:embed="rId2">
-            <a:extLst>
-              <a:ext uri="{28A0092B-C50C-407E-A947-70E740481C1C}">
-                <a14:useLocalDpi xmlns:a14="http://schemas.microsoft.com/office/drawing/2010/main" val="0"/>
-              </a:ext>
-            </a:extLst>
-          </a:blip>
-          <a:srcRect/>
-          <a:stretch/>
-        </p:blipFill>
-        <p:spPr bwMode="auto">
-          <a:xfrm>
-            <a:off x="20" y="10"/>
-            <a:ext cx="12191980" cy="6857990"/>
-          </a:xfrm>
-          <a:prstGeom prst="rect">
-            <a:avLst/>
-          </a:prstGeom>
-          <a:noFill/>
-          <a:extLst>
-            <a:ext uri="{909E8E84-426E-40DD-AFC4-6F175D3DCCD1}">
-              <a14:hiddenFill xmlns:a14="http://schemas.microsoft.com/office/drawing/2010/main">
-                <a:solidFill>
-                  <a:srgbClr val="FFFFFF"/>
-                </a:solidFill>
-              </a14:hiddenFill>
-            </a:ext>
-          </a:extLst>
-        </p:spPr>
-      </p:pic>
+          <p:cNvSpPr>
+            <a:spLocks noGrp="1"/>
+          </p:cNvSpPr>
+          <p:nvPr>
+            <p:ph idx="1"/>
+          </p:nvPr>
+        </p:nvSpPr>
+        <p:spPr/>
+        <p:txBody>
+          <a:bodyPr>
+            <a:normAutofit/>
+          </a:bodyPr>
+          <a:lstStyle/>
+          <a:p>
+            <a:r>
+              <a:rPr lang="en-US" dirty="0"/>
+              <a:t>DevOps Playground</a:t>
+            </a:r>
+          </a:p>
+          <a:p>
+            <a:pPr lvl="1"/>
+            <a:r>
+              <a:rPr lang="en-GB" dirty="0"/>
+              <a:t>Inspiring tech-enthusiasts to explore </a:t>
+            </a:r>
+            <a:br>
+              <a:rPr lang="en-GB" dirty="0"/>
+            </a:br>
+            <a:r>
+              <a:rPr lang="en-GB" dirty="0"/>
+              <a:t>new technology during hands-on monthly events.</a:t>
+            </a:r>
+            <a:endParaRPr lang="en-US" dirty="0"/>
+          </a:p>
+        </p:txBody>
+      </p:sp>
     </p:spTree>
     <p:extLst>
       <p:ext uri="{BB962C8B-B14F-4D97-AF65-F5344CB8AC3E}">
-        <p14:creationId xmlns:p14="http://schemas.microsoft.com/office/powerpoint/2010/main" val="1346873007"/>
+        <p14:creationId xmlns:p14="http://schemas.microsoft.com/office/powerpoint/2010/main" val="874248919"/>
       </p:ext>
     </p:extLst>
   </p:cSld>
@@ -7854,10 +7472,10 @@
       </p:grpSpPr>
       <p:sp>
         <p:nvSpPr>
-          <p:cNvPr id="3" name="Subtitle 2">
+          <p:cNvPr id="4" name="Title 3">
             <a:extLst>
               <a:ext uri="{FF2B5EF4-FFF2-40B4-BE49-F238E27FC236}">
-                <a16:creationId xmlns:a16="http://schemas.microsoft.com/office/drawing/2014/main" id="{E79DBE9E-C3EA-9248-8E60-9A252EE6484A}"/>
+                <a16:creationId xmlns:a16="http://schemas.microsoft.com/office/drawing/2014/main" id="{2F56C81E-018E-1A49-AF05-D822908824FD}"/>
               </a:ext>
             </a:extLst>
           </p:cNvPr>
@@ -7865,42 +7483,53 @@
             <a:spLocks noGrp="1"/>
           </p:cNvSpPr>
           <p:nvPr>
-            <p:ph idx="1"/>
+            <p:ph type="ctrTitle"/>
           </p:nvPr>
         </p:nvSpPr>
         <p:spPr/>
         <p:txBody>
-          <a:bodyPr>
-            <a:normAutofit/>
-          </a:bodyPr>
+          <a:bodyPr/>
           <a:lstStyle/>
           <a:p>
             <a:r>
               <a:rPr lang="en-US" dirty="0"/>
-              <a:t>DevOps Playground</a:t>
-            </a:r>
-          </a:p>
-          <a:p>
-            <a:pPr lvl="1"/>
-            <a:r>
-              <a:rPr lang="en-GB" dirty="0"/>
-              <a:t>Inspiring tech-enthusiasts to explore </a:t>
-            </a:r>
-            <a:br>
-              <a:rPr lang="en-GB" dirty="0"/>
-            </a:br>
-            <a:r>
-              <a:rPr lang="en-GB" dirty="0"/>
-              <a:t>new technology during hands-on monthly events.</a:t>
-            </a:r>
-            <a:endParaRPr lang="en-US" dirty="0"/>
+              <a:t>Hands on with JMeter</a:t>
+            </a:r>
+          </a:p>
+        </p:txBody>
+      </p:sp>
+      <p:sp>
+        <p:nvSpPr>
+          <p:cNvPr id="5" name="Subtitle 4">
+            <a:extLst>
+              <a:ext uri="{FF2B5EF4-FFF2-40B4-BE49-F238E27FC236}">
+                <a16:creationId xmlns:a16="http://schemas.microsoft.com/office/drawing/2014/main" id="{CA9F520B-CA86-5642-8AD0-E6DF7B3532F4}"/>
+              </a:ext>
+            </a:extLst>
+          </p:cNvPr>
+          <p:cNvSpPr>
+            <a:spLocks noGrp="1"/>
+          </p:cNvSpPr>
+          <p:nvPr>
+            <p:ph type="subTitle" idx="1"/>
+          </p:nvPr>
+        </p:nvSpPr>
+        <p:spPr/>
+        <p:txBody>
+          <a:bodyPr/>
+          <a:lstStyle/>
+          <a:p>
+            <a:r>
+              <a:rPr lang="en-US" dirty="0"/>
+              <a:t>Boris Levanov</a:t>
+            </a:r>
           </a:p>
         </p:txBody>
       </p:sp>
     </p:spTree>
     <p:extLst>
       <p:ext uri="{BB962C8B-B14F-4D97-AF65-F5344CB8AC3E}">
-        <p14:creationId xmlns:p14="http://schemas.microsoft.com/office/powerpoint/2010/main" val="874248919"/>
+        <p14:creationId xmlns:p14="http://schemas.microsoft.com/office/powerpoint/2010/main" val="4228799328"/>
       </p:ext>
     </p:extLst>
   </p:cSld>
@@ -7929,10 +7558,10 @@
       </p:grpSpPr>
       <p:sp>
         <p:nvSpPr>
-          <p:cNvPr id="4" name="Title 3">
+          <p:cNvPr id="9" name="Title 8">
             <a:extLst>
               <a:ext uri="{FF2B5EF4-FFF2-40B4-BE49-F238E27FC236}">
-                <a16:creationId xmlns:a16="http://schemas.microsoft.com/office/drawing/2014/main" id="{2F56C81E-018E-1A49-AF05-D822908824FD}"/>
+                <a16:creationId xmlns:a16="http://schemas.microsoft.com/office/drawing/2014/main" id="{86482CD7-2BBF-7A40-8B6A-2B4A7DC13918}"/>
               </a:ext>
             </a:extLst>
           </p:cNvPr>
@@ -7940,27 +7569,34 @@
             <a:spLocks noGrp="1"/>
           </p:cNvSpPr>
           <p:nvPr>
-            <p:ph type="ctrTitle"/>
-          </p:nvPr>
-        </p:nvSpPr>
-        <p:spPr/>
-        <p:txBody>
-          <a:bodyPr/>
+            <p:ph type="title"/>
+          </p:nvPr>
+        </p:nvSpPr>
+        <p:spPr>
+          <a:xfrm>
+            <a:off x="0" y="728133"/>
+            <a:ext cx="3864865" cy="1161627"/>
+          </a:xfrm>
+        </p:spPr>
+        <p:txBody>
+          <a:bodyPr>
+            <a:normAutofit fontScale="90000"/>
+          </a:bodyPr>
           <a:lstStyle/>
           <a:p>
             <a:r>
               <a:rPr lang="en-US" dirty="0"/>
-              <a:t>Hands on with JMeter</a:t>
-            </a:r>
-          </a:p>
-        </p:txBody>
-      </p:sp>
-      <p:sp>
-        <p:nvSpPr>
-          <p:cNvPr id="5" name="Subtitle 4">
+              <a:t>Introduction</a:t>
+            </a:r>
+          </a:p>
+        </p:txBody>
+      </p:sp>
+      <p:sp>
+        <p:nvSpPr>
+          <p:cNvPr id="10" name="Content Placeholder 9">
             <a:extLst>
               <a:ext uri="{FF2B5EF4-FFF2-40B4-BE49-F238E27FC236}">
-                <a16:creationId xmlns:a16="http://schemas.microsoft.com/office/drawing/2014/main" id="{CA9F520B-CA86-5642-8AD0-E6DF7B3532F4}"/>
+                <a16:creationId xmlns:a16="http://schemas.microsoft.com/office/drawing/2014/main" id="{3E44BD7F-C301-B246-A837-5A9132AC45D8}"/>
               </a:ext>
             </a:extLst>
           </p:cNvPr>
@@ -7968,7 +7604,7 @@
             <a:spLocks noGrp="1"/>
           </p:cNvSpPr>
           <p:nvPr>
-            <p:ph type="subTitle" idx="1"/>
+            <p:ph idx="1"/>
           </p:nvPr>
         </p:nvSpPr>
         <p:spPr/>
@@ -7976,9 +7612,63 @@
           <a:bodyPr/>
           <a:lstStyle/>
           <a:p>
-            <a:r>
-              <a:rPr lang="en-US" dirty="0"/>
-              <a:t>Boris Levanov</a:t>
+            <a:pPr marL="457200" indent="-457200" fontAlgn="base">
+              <a:buFont typeface="Arial" panose="020B0604020202020204" pitchFamily="34" charset="0"/>
+              <a:buChar char="•"/>
+            </a:pPr>
+            <a:r>
+              <a:rPr lang="en-US" dirty="0"/>
+              <a:t>Websites are becoming more complex </a:t>
+            </a:r>
+          </a:p>
+          <a:p>
+            <a:pPr marL="457200" indent="-457200" fontAlgn="base">
+              <a:buFont typeface="Arial" panose="020B0604020202020204" pitchFamily="34" charset="0"/>
+              <a:buChar char="•"/>
+            </a:pPr>
+            <a:r>
+              <a:rPr lang="en-US" dirty="0"/>
+              <a:t>Successful project grows all the time </a:t>
+            </a:r>
+          </a:p>
+          <a:p>
+            <a:pPr marL="457200" indent="-457200" fontAlgn="base">
+              <a:buFont typeface="Arial" panose="020B0604020202020204" pitchFamily="34" charset="0"/>
+              <a:buChar char="•"/>
+            </a:pPr>
+            <a:r>
+              <a:rPr lang="en-US" dirty="0"/>
+              <a:t>Revenue is also growing </a:t>
+            </a:r>
+          </a:p>
+          <a:p>
+            <a:pPr marL="457200" indent="-457200" fontAlgn="base">
+              <a:buFont typeface="Arial" panose="020B0604020202020204" pitchFamily="34" charset="0"/>
+              <a:buChar char="•"/>
+            </a:pPr>
+            <a:r>
+              <a:rPr lang="en-US" dirty="0"/>
+              <a:t>More users - more strain on the servers </a:t>
+            </a:r>
+          </a:p>
+          <a:p>
+            <a:pPr marL="457200" indent="-457200" fontAlgn="base">
+              <a:buFont typeface="Arial" panose="020B0604020202020204" pitchFamily="34" charset="0"/>
+              <a:buChar char="•"/>
+            </a:pPr>
+            <a:r>
+              <a:rPr lang="en-US" dirty="0"/>
+              <a:t>How do we identify where’s the limit? </a:t>
+            </a:r>
+          </a:p>
+          <a:p>
+            <a:pPr marL="457200" indent="-457200" fontAlgn="base">
+              <a:buFont typeface="Arial" panose="020B0604020202020204" pitchFamily="34" charset="0"/>
+              <a:buChar char="•"/>
+            </a:pPr>
+            <a:r>
+              <a:rPr lang="en-US" dirty="0"/>
+              <a:t>One way: load test to find the breaking point </a:t>
             </a:r>
           </a:p>
         </p:txBody>
@@ -7986,7 +7676,7 @@
     </p:spTree>
     <p:extLst>
       <p:ext uri="{BB962C8B-B14F-4D97-AF65-F5344CB8AC3E}">
-        <p14:creationId xmlns:p14="http://schemas.microsoft.com/office/powerpoint/2010/main" val="4228799328"/>
+        <p14:creationId xmlns:p14="http://schemas.microsoft.com/office/powerpoint/2010/main" val="2753433835"/>
       </p:ext>
     </p:extLst>
   </p:cSld>
@@ -8015,10 +7705,10 @@
       </p:grpSpPr>
       <p:sp>
         <p:nvSpPr>
-          <p:cNvPr id="9" name="Title 8">
+          <p:cNvPr id="4" name="Title 3">
             <a:extLst>
               <a:ext uri="{FF2B5EF4-FFF2-40B4-BE49-F238E27FC236}">
-                <a16:creationId xmlns:a16="http://schemas.microsoft.com/office/drawing/2014/main" id="{86482CD7-2BBF-7A40-8B6A-2B4A7DC13918}"/>
+                <a16:creationId xmlns:a16="http://schemas.microsoft.com/office/drawing/2014/main" id="{55EEDCC3-B6AC-774A-B3A6-87F25DBC39BC}"/>
               </a:ext>
             </a:extLst>
           </p:cNvPr>
@@ -8026,34 +7716,32 @@
             <a:spLocks noGrp="1"/>
           </p:cNvSpPr>
           <p:nvPr>
-            <p:ph type="title"/>
+            <p:ph type="ctrTitle"/>
           </p:nvPr>
         </p:nvSpPr>
         <p:spPr>
           <a:xfrm>
-            <a:off x="0" y="728133"/>
-            <a:ext cx="3864865" cy="1161627"/>
+            <a:off x="4233332" y="105305"/>
+            <a:ext cx="7382935" cy="1215292"/>
           </a:xfrm>
         </p:spPr>
         <p:txBody>
-          <a:bodyPr>
-            <a:normAutofit fontScale="90000"/>
-          </a:bodyPr>
+          <a:bodyPr/>
           <a:lstStyle/>
           <a:p>
             <a:r>
               <a:rPr lang="en-US" dirty="0"/>
-              <a:t>Introduction</a:t>
-            </a:r>
-          </a:p>
-        </p:txBody>
-      </p:sp>
-      <p:sp>
-        <p:nvSpPr>
-          <p:cNvPr id="10" name="Content Placeholder 9">
+              <a:t>Definition</a:t>
+            </a:r>
+          </a:p>
+        </p:txBody>
+      </p:sp>
+      <p:sp>
+        <p:nvSpPr>
+          <p:cNvPr id="5" name="Subtitle 4">
             <a:extLst>
               <a:ext uri="{FF2B5EF4-FFF2-40B4-BE49-F238E27FC236}">
-                <a16:creationId xmlns:a16="http://schemas.microsoft.com/office/drawing/2014/main" id="{3E44BD7F-C301-B246-A837-5A9132AC45D8}"/>
+                <a16:creationId xmlns:a16="http://schemas.microsoft.com/office/drawing/2014/main" id="{CC98E4AE-FE4D-4441-BAD7-281A38C7A8B3}"/>
               </a:ext>
             </a:extLst>
           </p:cNvPr>
@@ -8061,79 +7749,56 @@
             <a:spLocks noGrp="1"/>
           </p:cNvSpPr>
           <p:nvPr>
-            <p:ph idx="1"/>
-          </p:nvPr>
-        </p:nvSpPr>
-        <p:spPr/>
-        <p:txBody>
-          <a:bodyPr/>
+            <p:ph type="subTitle" idx="1"/>
+          </p:nvPr>
+        </p:nvSpPr>
+        <p:spPr>
+          <a:xfrm>
+            <a:off x="4233332" y="1501422"/>
+            <a:ext cx="7382935" cy="3222774"/>
+          </a:xfrm>
+        </p:spPr>
+        <p:txBody>
+          <a:bodyPr>
+            <a:normAutofit/>
+          </a:bodyPr>
           <a:lstStyle/>
           <a:p>
-            <a:pPr marL="457200" indent="-457200" fontAlgn="base">
-              <a:buFont typeface="Arial" panose="020B0604020202020204" pitchFamily="34" charset="0"/>
-              <a:buChar char="•"/>
-            </a:pPr>
-            <a:r>
-              <a:rPr lang="en-US" dirty="0"/>
-              <a:t>Websites are becoming more complex </a:t>
-            </a:r>
-          </a:p>
-          <a:p>
-            <a:pPr marL="457200" indent="-457200" fontAlgn="base">
-              <a:buFont typeface="Arial" panose="020B0604020202020204" pitchFamily="34" charset="0"/>
-              <a:buChar char="•"/>
-            </a:pPr>
-            <a:r>
-              <a:rPr lang="en-US" dirty="0"/>
-              <a:t>Successful project grows all the time </a:t>
-            </a:r>
-          </a:p>
-          <a:p>
-            <a:pPr marL="457200" indent="-457200" fontAlgn="base">
-              <a:buFont typeface="Arial" panose="020B0604020202020204" pitchFamily="34" charset="0"/>
-              <a:buChar char="•"/>
-            </a:pPr>
-            <a:r>
-              <a:rPr lang="en-US" dirty="0"/>
-              <a:t>Revenue is also growing </a:t>
-            </a:r>
-          </a:p>
-          <a:p>
-            <a:pPr marL="457200" indent="-457200" fontAlgn="base">
-              <a:buFont typeface="Arial" panose="020B0604020202020204" pitchFamily="34" charset="0"/>
-              <a:buChar char="•"/>
-            </a:pPr>
-            <a:r>
-              <a:rPr lang="en-US" dirty="0"/>
-              <a:t>More users - more strain on the servers </a:t>
-            </a:r>
-          </a:p>
-          <a:p>
-            <a:pPr marL="457200" indent="-457200" fontAlgn="base">
-              <a:buFont typeface="Arial" panose="020B0604020202020204" pitchFamily="34" charset="0"/>
-              <a:buChar char="•"/>
-            </a:pPr>
-            <a:r>
-              <a:rPr lang="en-US" dirty="0"/>
-              <a:t>How do we identify where’s the limit? </a:t>
-            </a:r>
-          </a:p>
-          <a:p>
-            <a:pPr marL="457200" indent="-457200" fontAlgn="base">
-              <a:buFont typeface="Arial" panose="020B0604020202020204" pitchFamily="34" charset="0"/>
-              <a:buChar char="•"/>
-            </a:pPr>
-            <a:r>
-              <a:rPr lang="en-US" dirty="0"/>
-              <a:t>One way: load test to find the breaking point </a:t>
-            </a:r>
+            <a:r>
+              <a:rPr lang="en-US" dirty="0">
+                <a:solidFill>
+                  <a:srgbClr val="000000"/>
+                </a:solidFill>
+                <a:latin typeface="DejaVu Sans"/>
+              </a:rPr>
+              <a:t>The </a:t>
+            </a:r>
+            <a:r>
+              <a:rPr lang="en-US" b="1" dirty="0">
+                <a:solidFill>
+                  <a:srgbClr val="000000"/>
+                </a:solidFill>
+                <a:latin typeface="DejaVu Sans"/>
+              </a:rPr>
+              <a:t>Apache JMeter™</a:t>
+            </a:r>
+            <a:r>
+              <a:rPr lang="en-US" dirty="0">
+                <a:solidFill>
+                  <a:srgbClr val="000000"/>
+                </a:solidFill>
+                <a:latin typeface="DejaVu Sans"/>
+              </a:rPr>
+              <a:t> application is open source software, a 100% pure Java application designed to load test functional behavior and measure performance. It was originally designed for testing Web Applications but has since expanded to other test functions.</a:t>
+            </a:r>
+            <a:endParaRPr lang="en-US" dirty="0"/>
           </a:p>
         </p:txBody>
       </p:sp>
     </p:spTree>
     <p:extLst>
       <p:ext uri="{BB962C8B-B14F-4D97-AF65-F5344CB8AC3E}">
-        <p14:creationId xmlns:p14="http://schemas.microsoft.com/office/powerpoint/2010/main" val="2753433835"/>
+        <p14:creationId xmlns:p14="http://schemas.microsoft.com/office/powerpoint/2010/main" val="382650632"/>
       </p:ext>
     </p:extLst>
   </p:cSld>
@@ -8165,7 +7830,7 @@
           <p:cNvPr id="4" name="Title 3">
             <a:extLst>
               <a:ext uri="{FF2B5EF4-FFF2-40B4-BE49-F238E27FC236}">
-                <a16:creationId xmlns:a16="http://schemas.microsoft.com/office/drawing/2014/main" id="{55EEDCC3-B6AC-774A-B3A6-87F25DBC39BC}"/>
+                <a16:creationId xmlns:a16="http://schemas.microsoft.com/office/drawing/2014/main" id="{F9F89F23-1C70-DA4E-A4DD-DE58BBF7ECD7}"/>
               </a:ext>
             </a:extLst>
           </p:cNvPr>
@@ -8173,32 +7838,33 @@
             <a:spLocks noGrp="1"/>
           </p:cNvSpPr>
           <p:nvPr>
-            <p:ph type="ctrTitle"/>
-          </p:nvPr>
-        </p:nvSpPr>
-        <p:spPr>
-          <a:xfrm>
-            <a:off x="4233332" y="105305"/>
-            <a:ext cx="7382935" cy="1215292"/>
-          </a:xfrm>
-        </p:spPr>
+            <p:ph type="title"/>
+          </p:nvPr>
+        </p:nvSpPr>
+        <p:spPr/>
         <p:txBody>
           <a:bodyPr/>
           <a:lstStyle/>
           <a:p>
             <a:r>
-              <a:rPr lang="en-US" dirty="0"/>
-              <a:t>Definition</a:t>
-            </a:r>
-          </a:p>
-        </p:txBody>
-      </p:sp>
-      <p:sp>
-        <p:nvSpPr>
-          <p:cNvPr id="5" name="Subtitle 4">
+              <a:rPr lang="en-GB" b="1" dirty="0">
+                <a:solidFill>
+                  <a:srgbClr val="000000"/>
+                </a:solidFill>
+                <a:latin typeface="AppleSystemUIFontBold"/>
+              </a:rPr>
+              <a:t>Apache JMeter™ pros</a:t>
+            </a:r>
+            <a:endParaRPr lang="en-US" dirty="0"/>
+          </a:p>
+        </p:txBody>
+      </p:sp>
+      <p:sp>
+        <p:nvSpPr>
+          <p:cNvPr id="5" name="Content Placeholder 4">
             <a:extLst>
               <a:ext uri="{FF2B5EF4-FFF2-40B4-BE49-F238E27FC236}">
-                <a16:creationId xmlns:a16="http://schemas.microsoft.com/office/drawing/2014/main" id="{CC98E4AE-FE4D-4441-BAD7-281A38C7A8B3}"/>
+                <a16:creationId xmlns:a16="http://schemas.microsoft.com/office/drawing/2014/main" id="{39192168-A7A6-B84E-9D02-618BAE6A9BCC}"/>
               </a:ext>
             </a:extLst>
           </p:cNvPr>
@@ -8206,56 +7872,150 @@
             <a:spLocks noGrp="1"/>
           </p:cNvSpPr>
           <p:nvPr>
-            <p:ph type="subTitle" idx="1"/>
-          </p:nvPr>
-        </p:nvSpPr>
-        <p:spPr>
-          <a:xfrm>
-            <a:off x="4233332" y="1501422"/>
-            <a:ext cx="7382935" cy="3222774"/>
-          </a:xfrm>
-        </p:spPr>
+            <p:ph idx="1"/>
+          </p:nvPr>
+        </p:nvSpPr>
+        <p:spPr/>
         <p:txBody>
           <a:bodyPr>
             <a:normAutofit/>
           </a:bodyPr>
           <a:lstStyle/>
           <a:p>
-            <a:r>
-              <a:rPr lang="en-US" dirty="0">
+            <a:pPr fontAlgn="base"/>
+            <a:r>
+              <a:rPr lang="en-GB" sz="3200" dirty="0">
                 <a:solidFill>
                   <a:srgbClr val="000000"/>
                 </a:solidFill>
-                <a:latin typeface="DejaVu Sans"/>
+                <a:latin typeface="AppleSystemUIFont"/>
               </a:rPr>
-              <a:t>The </a:t>
-            </a:r>
-            <a:r>
-              <a:rPr lang="en-US" b="1" dirty="0">
+              <a:t>Open source </a:t>
+            </a:r>
+            <a:endParaRPr lang="en-GB" sz="3200" dirty="0">
+              <a:solidFill>
+                <a:srgbClr val="000000"/>
+              </a:solidFill>
+              <a:latin typeface="Segoe UI" panose="020B0502040204020203" pitchFamily="34" charset="0"/>
+            </a:endParaRPr>
+          </a:p>
+          <a:p>
+            <a:pPr fontAlgn="base"/>
+            <a:r>
+              <a:rPr lang="en-GB" sz="3200" dirty="0">
                 <a:solidFill>
                   <a:srgbClr val="000000"/>
                 </a:solidFill>
-                <a:latin typeface="DejaVu Sans"/>
+                <a:latin typeface="AppleSystemUIFont"/>
               </a:rPr>
-              <a:t>Apache JMeter™</a:t>
-            </a:r>
-            <a:r>
-              <a:rPr lang="en-US" dirty="0">
+              <a:t>Platform independent (uses Java) </a:t>
+            </a:r>
+            <a:endParaRPr lang="en-GB" sz="3200" dirty="0">
+              <a:solidFill>
+                <a:srgbClr val="000000"/>
+              </a:solidFill>
+              <a:latin typeface="Segoe UI" panose="020B0502040204020203" pitchFamily="34" charset="0"/>
+            </a:endParaRPr>
+          </a:p>
+          <a:p>
+            <a:pPr fontAlgn="base"/>
+            <a:r>
+              <a:rPr lang="en-GB" sz="3200" dirty="0">
                 <a:solidFill>
                   <a:srgbClr val="000000"/>
                 </a:solidFill>
-                <a:latin typeface="DejaVu Sans"/>
+                <a:latin typeface="AppleSystemUIFont"/>
               </a:rPr>
-              <a:t> application is open source software, a 100% pure Java application designed to load test functional behavior and measure performance. It was originally designed for testing Web Applications but has since expanded to other test functions.</a:t>
-            </a:r>
-            <a:endParaRPr lang="en-US" dirty="0"/>
+              <a:t>Pipeline integration using plugins (i.e. Jenkins) </a:t>
+            </a:r>
+            <a:endParaRPr lang="en-GB" sz="3200" dirty="0">
+              <a:solidFill>
+                <a:srgbClr val="000000"/>
+              </a:solidFill>
+              <a:latin typeface="Segoe UI" panose="020B0502040204020203" pitchFamily="34" charset="0"/>
+            </a:endParaRPr>
+          </a:p>
+          <a:p>
+            <a:pPr fontAlgn="base"/>
+            <a:r>
+              <a:rPr lang="en-GB" sz="3200" dirty="0">
+                <a:solidFill>
+                  <a:srgbClr val="000000"/>
+                </a:solidFill>
+                <a:latin typeface="AppleSystemUIFont"/>
+              </a:rPr>
+              <a:t>Multiple protocols (HTTP, FTP, SOAP, JDBC, JMS, and LDAP) </a:t>
+            </a:r>
+            <a:endParaRPr lang="en-GB" sz="3200" dirty="0">
+              <a:solidFill>
+                <a:srgbClr val="000000"/>
+              </a:solidFill>
+              <a:latin typeface="Segoe UI" panose="020B0502040204020203" pitchFamily="34" charset="0"/>
+            </a:endParaRPr>
+          </a:p>
+          <a:p>
+            <a:pPr fontAlgn="base"/>
+            <a:r>
+              <a:rPr lang="en-GB" sz="3200" dirty="0">
+                <a:solidFill>
+                  <a:srgbClr val="000000"/>
+                </a:solidFill>
+                <a:latin typeface="AppleSystemUIFont"/>
+              </a:rPr>
+              <a:t>GUI programming available </a:t>
+            </a:r>
+            <a:endParaRPr lang="en-GB" sz="3200" dirty="0">
+              <a:solidFill>
+                <a:srgbClr val="000000"/>
+              </a:solidFill>
+              <a:latin typeface="Segoe UI" panose="020B0502040204020203" pitchFamily="34" charset="0"/>
+            </a:endParaRPr>
+          </a:p>
+          <a:p>
+            <a:pPr fontAlgn="base"/>
+            <a:r>
+              <a:rPr lang="en-GB" sz="3200" dirty="0">
+                <a:solidFill>
+                  <a:srgbClr val="000000"/>
+                </a:solidFill>
+                <a:latin typeface="AppleSystemUIFont"/>
+              </a:rPr>
+              <a:t>Good support (I.e. Stack Overflow, </a:t>
+            </a:r>
+            <a:r>
+              <a:rPr lang="en-GB" sz="3200" dirty="0" err="1">
+                <a:solidFill>
+                  <a:srgbClr val="000000"/>
+                </a:solidFill>
+                <a:latin typeface="AppleSystemUIFont"/>
+              </a:rPr>
+              <a:t>Blazemeter</a:t>
+            </a:r>
+            <a:r>
+              <a:rPr lang="en-GB" sz="3200" dirty="0">
+                <a:solidFill>
+                  <a:srgbClr val="000000"/>
+                </a:solidFill>
+                <a:latin typeface="AppleSystemUIFont"/>
+              </a:rPr>
+              <a:t>) </a:t>
+            </a:r>
+            <a:endParaRPr lang="en-GB" sz="3200" dirty="0">
+              <a:solidFill>
+                <a:srgbClr val="000000"/>
+              </a:solidFill>
+              <a:latin typeface="Segoe UI" panose="020B0502040204020203" pitchFamily="34" charset="0"/>
+            </a:endParaRPr>
+          </a:p>
+          <a:p>
+            <a:endParaRPr lang="en-US" sz="3200" dirty="0"/>
           </a:p>
         </p:txBody>
       </p:sp>
     </p:spTree>
     <p:extLst>
       <p:ext uri="{BB962C8B-B14F-4D97-AF65-F5344CB8AC3E}">
-        <p14:creationId xmlns:p14="http://schemas.microsoft.com/office/powerpoint/2010/main" val="382650632"/>
+        <p14:creationId xmlns:p14="http://schemas.microsoft.com/office/powerpoint/2010/main" val="2821654932"/>
       </p:ext>
     </p:extLst>
   </p:cSld>
@@ -8310,7 +8070,7 @@
                 </a:solidFill>
                 <a:latin typeface="AppleSystemUIFontBold"/>
               </a:rPr>
-              <a:t>Apache JMeter™ pros</a:t>
+              <a:t>Apache JMeter™ cons</a:t>
             </a:r>
             <a:endParaRPr lang="en-US" dirty="0"/>
           </a:p>
@@ -8341,15 +8101,15 @@
           <a:p>
             <a:pPr fontAlgn="base"/>
             <a:r>
-              <a:rPr lang="en-GB" sz="3200" dirty="0">
+              <a:rPr lang="en-US" sz="3200" dirty="0">
                 <a:solidFill>
                   <a:srgbClr val="000000"/>
                 </a:solidFill>
                 <a:latin typeface="AppleSystemUIFont"/>
               </a:rPr>
-              <a:t>Open source </a:t>
-            </a:r>
-            <a:endParaRPr lang="en-GB" sz="3200" dirty="0">
+              <a:t>Advanced reporting is not easy to set up </a:t>
+            </a:r>
+            <a:endParaRPr lang="en-US" sz="3200" dirty="0">
               <a:solidFill>
                 <a:srgbClr val="000000"/>
               </a:solidFill>
@@ -8359,15 +8119,15 @@
           <a:p>
             <a:pPr fontAlgn="base"/>
             <a:r>
-              <a:rPr lang="en-GB" sz="3200" dirty="0">
+              <a:rPr lang="en-US" sz="3200" dirty="0">
                 <a:solidFill>
                   <a:srgbClr val="000000"/>
                 </a:solidFill>
                 <a:latin typeface="AppleSystemUIFont"/>
               </a:rPr>
-              <a:t>Platform independent (uses Java) </a:t>
-            </a:r>
-            <a:endParaRPr lang="en-GB" sz="3200" dirty="0">
+              <a:t>Not compatible with all Java versions </a:t>
+            </a:r>
+            <a:endParaRPr lang="en-US" sz="3200" dirty="0">
               <a:solidFill>
                 <a:srgbClr val="000000"/>
               </a:solidFill>
@@ -8377,102 +8137,27 @@
           <a:p>
             <a:pPr fontAlgn="base"/>
             <a:r>
-              <a:rPr lang="en-GB" sz="3200" dirty="0">
+              <a:rPr lang="en-US" sz="3200" dirty="0">
                 <a:solidFill>
                   <a:srgbClr val="000000"/>
                 </a:solidFill>
                 <a:latin typeface="AppleSystemUIFont"/>
               </a:rPr>
-              <a:t>Pipeline integration using plugins (i.e. Jenkins) </a:t>
-            </a:r>
-            <a:endParaRPr lang="en-GB" sz="3200" dirty="0">
+              <a:t>GUI takes some time of getting used to </a:t>
+            </a:r>
+            <a:endParaRPr lang="en-US" sz="3200" dirty="0">
               <a:solidFill>
                 <a:srgbClr val="000000"/>
               </a:solidFill>
               <a:latin typeface="Segoe UI" panose="020B0502040204020203" pitchFamily="34" charset="0"/>
             </a:endParaRPr>
           </a:p>
-          <a:p>
-            <a:pPr fontAlgn="base"/>
-            <a:r>
-              <a:rPr lang="en-GB" sz="3200" dirty="0">
-                <a:solidFill>
-                  <a:srgbClr val="000000"/>
-                </a:solidFill>
-                <a:latin typeface="AppleSystemUIFont"/>
-              </a:rPr>
-              <a:t>Multiple protocols (HTTP, FTP, SOAP, JDBC, JMS, and LDAP) </a:t>
-            </a:r>
-            <a:endParaRPr lang="en-GB" sz="3200" dirty="0">
-              <a:solidFill>
-                <a:srgbClr val="000000"/>
-              </a:solidFill>
-              <a:latin typeface="Segoe UI" panose="020B0502040204020203" pitchFamily="34" charset="0"/>
-            </a:endParaRPr>
-          </a:p>
-          <a:p>
-            <a:pPr fontAlgn="base"/>
-            <a:r>
-              <a:rPr lang="en-GB" sz="3200" dirty="0">
-                <a:solidFill>
-                  <a:srgbClr val="000000"/>
-                </a:solidFill>
-                <a:latin typeface="AppleSystemUIFont"/>
-              </a:rPr>
-              <a:t>GUI programming available </a:t>
-            </a:r>
-            <a:endParaRPr lang="en-GB" sz="3200" dirty="0">
-              <a:solidFill>
-                <a:srgbClr val="000000"/>
-              </a:solidFill>
-              <a:latin typeface="Segoe UI" panose="020B0502040204020203" pitchFamily="34" charset="0"/>
-            </a:endParaRPr>
-          </a:p>
-          <a:p>
-            <a:pPr fontAlgn="base"/>
-            <a:r>
-              <a:rPr lang="en-GB" sz="3200" dirty="0">
-                <a:solidFill>
-                  <a:srgbClr val="000000"/>
-                </a:solidFill>
-                <a:latin typeface="AppleSystemUIFont"/>
-              </a:rPr>
-              <a:t>Good support (I.e. Stack Overflow, </a:t>
-            </a:r>
-            <a:r>
-              <a:rPr lang="en-GB" sz="3200" dirty="0" err="1">
-                <a:solidFill>
-                  <a:srgbClr val="000000"/>
-                </a:solidFill>
-                <a:latin typeface="AppleSystemUIFont"/>
-              </a:rPr>
-              <a:t>Blazemeter</a:t>
-            </a:r>
-            <a:r>
-              <a:rPr lang="en-GB" sz="3200" dirty="0">
-                <a:solidFill>
-                  <a:srgbClr val="000000"/>
-                </a:solidFill>
-                <a:latin typeface="AppleSystemUIFont"/>
-              </a:rPr>
-              <a:t>) </a:t>
-            </a:r>
-            <a:endParaRPr lang="en-GB" sz="3200" dirty="0">
-              <a:solidFill>
-                <a:srgbClr val="000000"/>
-              </a:solidFill>
-              <a:latin typeface="Segoe UI" panose="020B0502040204020203" pitchFamily="34" charset="0"/>
-            </a:endParaRPr>
-          </a:p>
-          <a:p>
-            <a:endParaRPr lang="en-US" sz="3200" dirty="0"/>
-          </a:p>
         </p:txBody>
       </p:sp>
     </p:spTree>
     <p:extLst>
       <p:ext uri="{BB962C8B-B14F-4D97-AF65-F5344CB8AC3E}">
-        <p14:creationId xmlns:p14="http://schemas.microsoft.com/office/powerpoint/2010/main" val="2821654932"/>
+        <p14:creationId xmlns:p14="http://schemas.microsoft.com/office/powerpoint/2010/main" val="3664099957"/>
       </p:ext>
     </p:extLst>
   </p:cSld>
@@ -8501,10 +8186,10 @@
       </p:grpSpPr>
       <p:sp>
         <p:nvSpPr>
-          <p:cNvPr id="4" name="Title 3">
+          <p:cNvPr id="4" name="Content Placeholder 3">
             <a:extLst>
               <a:ext uri="{FF2B5EF4-FFF2-40B4-BE49-F238E27FC236}">
-                <a16:creationId xmlns:a16="http://schemas.microsoft.com/office/drawing/2014/main" id="{F9F89F23-1C70-DA4E-A4DD-DE58BBF7ECD7}"/>
+                <a16:creationId xmlns:a16="http://schemas.microsoft.com/office/drawing/2014/main" id="{83AD27D6-EDEC-5648-B755-8CEC72166A37}"/>
               </a:ext>
             </a:extLst>
           </p:cNvPr>
@@ -8512,109 +8197,136 @@
             <a:spLocks noGrp="1"/>
           </p:cNvSpPr>
           <p:nvPr>
-            <p:ph type="title"/>
-          </p:nvPr>
-        </p:nvSpPr>
-        <p:spPr/>
-        <p:txBody>
-          <a:bodyPr/>
-          <a:lstStyle/>
-          <a:p>
-            <a:r>
-              <a:rPr lang="en-GB" b="1" dirty="0">
-                <a:solidFill>
-                  <a:srgbClr val="000000"/>
-                </a:solidFill>
-                <a:latin typeface="AppleSystemUIFontBold"/>
-              </a:rPr>
-              <a:t>Apache JMeter™ cons</a:t>
-            </a:r>
-            <a:endParaRPr lang="en-US" dirty="0"/>
-          </a:p>
-        </p:txBody>
-      </p:sp>
-      <p:sp>
-        <p:nvSpPr>
-          <p:cNvPr id="5" name="Content Placeholder 4">
-            <a:extLst>
-              <a:ext uri="{FF2B5EF4-FFF2-40B4-BE49-F238E27FC236}">
-                <a16:creationId xmlns:a16="http://schemas.microsoft.com/office/drawing/2014/main" id="{39192168-A7A6-B84E-9D02-618BAE6A9BCC}"/>
-              </a:ext>
-            </a:extLst>
-          </p:cNvPr>
-          <p:cNvSpPr>
-            <a:spLocks noGrp="1"/>
-          </p:cNvSpPr>
-          <p:nvPr>
             <p:ph idx="1"/>
           </p:nvPr>
         </p:nvSpPr>
-        <p:spPr/>
+        <p:spPr>
+          <a:xfrm>
+            <a:off x="1950720" y="1368510"/>
+            <a:ext cx="8302752" cy="4248001"/>
+          </a:xfrm>
+          <a:solidFill>
+            <a:schemeClr val="bg1"/>
+          </a:solidFill>
+        </p:spPr>
         <p:txBody>
           <a:bodyPr>
             <a:normAutofit/>
           </a:bodyPr>
           <a:lstStyle/>
           <a:p>
-            <a:pPr fontAlgn="base"/>
+            <a:pPr marL="0" indent="0" fontAlgn="base">
+              <a:buNone/>
+            </a:pPr>
             <a:r>
               <a:rPr lang="en-US" sz="3200" dirty="0">
-                <a:solidFill>
-                  <a:srgbClr val="000000"/>
-                </a:solidFill>
                 <a:latin typeface="AppleSystemUIFont"/>
               </a:rPr>
-              <a:t>Advanced reporting is not easy to set up </a:t>
-            </a:r>
+              <a:t> &gt; Sends requests as a user would (threads) </a:t>
+            </a:r>
+          </a:p>
+          <a:p>
+            <a:pPr marL="0" indent="0" fontAlgn="base">
+              <a:buNone/>
+            </a:pPr>
             <a:endParaRPr lang="en-US" sz="3200" dirty="0">
-              <a:solidFill>
-                <a:srgbClr val="000000"/>
-              </a:solidFill>
-              <a:latin typeface="Segoe UI" panose="020B0502040204020203" pitchFamily="34" charset="0"/>
+              <a:latin typeface="AppleSystemUIFont"/>
             </a:endParaRPr>
           </a:p>
           <a:p>
-            <a:pPr fontAlgn="base"/>
+            <a:pPr marL="0" indent="0" fontAlgn="base">
+              <a:buNone/>
+            </a:pPr>
             <a:r>
               <a:rPr lang="en-US" sz="3200" dirty="0">
-                <a:solidFill>
-                  <a:srgbClr val="000000"/>
-                </a:solidFill>
                 <a:latin typeface="AppleSystemUIFont"/>
               </a:rPr>
-              <a:t>Not compatible with all Java versions </a:t>
-            </a:r>
+              <a:t>&gt; Can send multiple requests as different users </a:t>
+            </a:r>
+          </a:p>
+          <a:p>
+            <a:pPr marL="0" indent="0" fontAlgn="base">
+              <a:buNone/>
+            </a:pPr>
             <a:endParaRPr lang="en-US" sz="3200" dirty="0">
-              <a:solidFill>
-                <a:srgbClr val="000000"/>
-              </a:solidFill>
-              <a:latin typeface="Segoe UI" panose="020B0502040204020203" pitchFamily="34" charset="0"/>
+              <a:latin typeface="AppleSystemUIFont"/>
             </a:endParaRPr>
           </a:p>
           <a:p>
-            <a:pPr fontAlgn="base"/>
+            <a:pPr marL="0" indent="0" fontAlgn="base">
+              <a:buNone/>
+            </a:pPr>
             <a:r>
               <a:rPr lang="en-US" sz="3200" dirty="0">
-                <a:solidFill>
-                  <a:srgbClr val="000000"/>
-                </a:solidFill>
                 <a:latin typeface="AppleSystemUIFont"/>
               </a:rPr>
-              <a:t>GUI takes some time of getting used to </a:t>
-            </a:r>
-            <a:endParaRPr lang="en-US" sz="3200" dirty="0">
-              <a:solidFill>
-                <a:srgbClr val="000000"/>
-              </a:solidFill>
-              <a:latin typeface="Segoe UI" panose="020B0502040204020203" pitchFamily="34" charset="0"/>
-            </a:endParaRPr>
+              <a:t>&gt; Receives responses as a user browser would </a:t>
+            </a:r>
+          </a:p>
+          <a:p>
+            <a:pPr marL="0" indent="0" fontAlgn="base">
+              <a:buNone/>
+            </a:pPr>
+            <a:endParaRPr lang="en-US" sz="3200" dirty="0"/>
+          </a:p>
+          <a:p>
+            <a:pPr marL="0" indent="0" fontAlgn="base">
+              <a:buNone/>
+            </a:pPr>
+            <a:r>
+              <a:rPr lang="en-US" sz="3200" dirty="0"/>
+              <a:t>&gt; Records and visualizes the result</a:t>
+            </a:r>
+          </a:p>
+          <a:p>
+            <a:pPr marL="0" indent="0" fontAlgn="base">
+              <a:buNone/>
+            </a:pPr>
+            <a:endParaRPr lang="en-US" sz="3200" dirty="0"/>
+          </a:p>
+        </p:txBody>
+      </p:sp>
+      <p:sp>
+        <p:nvSpPr>
+          <p:cNvPr id="5" name="Rectangle 4">
+            <a:extLst>
+              <a:ext uri="{FF2B5EF4-FFF2-40B4-BE49-F238E27FC236}">
+                <a16:creationId xmlns:a16="http://schemas.microsoft.com/office/drawing/2014/main" id="{BE889DE9-7923-4371-BC78-6943604EA322}"/>
+              </a:ext>
+            </a:extLst>
+          </p:cNvPr>
+          <p:cNvSpPr/>
+          <p:nvPr/>
+        </p:nvSpPr>
+        <p:spPr>
+          <a:xfrm>
+            <a:off x="3808066" y="196334"/>
+            <a:ext cx="4575868" cy="769441"/>
+          </a:xfrm>
+          <a:prstGeom prst="rect">
+            <a:avLst/>
+          </a:prstGeom>
+        </p:spPr>
+        <p:txBody>
+          <a:bodyPr wrap="none">
+            <a:spAutoFit/>
+          </a:bodyPr>
+          <a:lstStyle/>
+          <a:p>
+            <a:r>
+              <a:rPr lang="en-US" sz="4400" dirty="0">
+                <a:latin typeface="AppleSystemUIFont"/>
+              </a:rPr>
+              <a:t>How does it work? </a:t>
+            </a:r>
+            <a:endParaRPr lang="en-GB" sz="4400" dirty="0"/>
           </a:p>
         </p:txBody>
       </p:sp>
     </p:spTree>
     <p:extLst>
       <p:ext uri="{BB962C8B-B14F-4D97-AF65-F5344CB8AC3E}">
-        <p14:creationId xmlns:p14="http://schemas.microsoft.com/office/powerpoint/2010/main" val="3664099957"/>
+        <p14:creationId xmlns:p14="http://schemas.microsoft.com/office/powerpoint/2010/main" val="3942397357"/>
       </p:ext>
     </p:extLst>
   </p:cSld>
@@ -8643,10 +8355,10 @@
       </p:grpSpPr>
       <p:sp>
         <p:nvSpPr>
-          <p:cNvPr id="4" name="Content Placeholder 3">
+          <p:cNvPr id="9" name="Title 8">
             <a:extLst>
               <a:ext uri="{FF2B5EF4-FFF2-40B4-BE49-F238E27FC236}">
-                <a16:creationId xmlns:a16="http://schemas.microsoft.com/office/drawing/2014/main" id="{83AD27D6-EDEC-5648-B755-8CEC72166A37}"/>
+                <a16:creationId xmlns:a16="http://schemas.microsoft.com/office/drawing/2014/main" id="{86482CD7-2BBF-7A40-8B6A-2B4A7DC13918}"/>
               </a:ext>
             </a:extLst>
           </p:cNvPr>
@@ -8654,136 +8366,174 @@
             <a:spLocks noGrp="1"/>
           </p:cNvSpPr>
           <p:nvPr>
-            <p:ph idx="1"/>
+            <p:ph type="title"/>
           </p:nvPr>
         </p:nvSpPr>
         <p:spPr>
           <a:xfrm>
-            <a:off x="1950720" y="1368510"/>
-            <a:ext cx="8302752" cy="4248001"/>
+            <a:off x="0" y="728133"/>
+            <a:ext cx="3683000" cy="3234267"/>
           </a:xfrm>
-          <a:solidFill>
-            <a:schemeClr val="bg1"/>
-          </a:solidFill>
         </p:spPr>
         <p:txBody>
-          <a:bodyPr>
-            <a:normAutofit/>
-          </a:bodyPr>
+          <a:bodyPr/>
           <a:lstStyle/>
           <a:p>
-            <a:pPr marL="0" indent="0" fontAlgn="base">
-              <a:buNone/>
-            </a:pPr>
-            <a:r>
-              <a:rPr lang="en-US" sz="3200" dirty="0">
-                <a:latin typeface="AppleSystemUIFont"/>
+            <a:r>
+              <a:rPr lang="en-GB" sz="5400" b="1" dirty="0">
+                <a:solidFill>
+                  <a:srgbClr val="000000"/>
+                </a:solidFill>
+                <a:latin typeface="AppleSystemUIFontBold"/>
               </a:rPr>
-              <a:t> &gt; Sends requests as a user would (threads) </a:t>
-            </a:r>
-          </a:p>
-          <a:p>
-            <a:pPr marL="0" indent="0" fontAlgn="base">
-              <a:buNone/>
-            </a:pPr>
-            <a:endParaRPr lang="en-US" sz="3200" dirty="0">
-              <a:latin typeface="AppleSystemUIFont"/>
-            </a:endParaRPr>
-          </a:p>
-          <a:p>
-            <a:pPr marL="0" indent="0" fontAlgn="base">
-              <a:buNone/>
-            </a:pPr>
-            <a:r>
-              <a:rPr lang="en-US" sz="3200" dirty="0">
-                <a:latin typeface="AppleSystemUIFont"/>
-              </a:rPr>
-              <a:t>&gt; Can send multiple requests as different users </a:t>
-            </a:r>
-          </a:p>
-          <a:p>
-            <a:pPr marL="0" indent="0" fontAlgn="base">
-              <a:buNone/>
-            </a:pPr>
-            <a:endParaRPr lang="en-US" sz="3200" dirty="0">
-              <a:latin typeface="AppleSystemUIFont"/>
-            </a:endParaRPr>
-          </a:p>
-          <a:p>
-            <a:pPr marL="0" indent="0" fontAlgn="base">
-              <a:buNone/>
-            </a:pPr>
-            <a:r>
-              <a:rPr lang="en-US" sz="3200" dirty="0">
-                <a:latin typeface="AppleSystemUIFont"/>
-              </a:rPr>
-              <a:t>&gt; Receives responses as a user browser would </a:t>
-            </a:r>
-          </a:p>
-          <a:p>
-            <a:pPr marL="0" indent="0" fontAlgn="base">
-              <a:buNone/>
-            </a:pPr>
-            <a:endParaRPr lang="en-US" sz="3200" dirty="0"/>
-          </a:p>
-          <a:p>
-            <a:pPr marL="0" indent="0" fontAlgn="base">
-              <a:buNone/>
-            </a:pPr>
-            <a:r>
-              <a:rPr lang="en-US" sz="3200" dirty="0"/>
-              <a:t>&gt; Records and visualizes the result</a:t>
-            </a:r>
-          </a:p>
-          <a:p>
-            <a:pPr marL="0" indent="0" fontAlgn="base">
-              <a:buNone/>
-            </a:pPr>
-            <a:endParaRPr lang="en-US" sz="3200" dirty="0"/>
-          </a:p>
-        </p:txBody>
-      </p:sp>
-      <p:sp>
-        <p:nvSpPr>
-          <p:cNvPr id="5" name="Rectangle 4">
+              <a:t>Additionally</a:t>
+            </a:r>
+            <a:endParaRPr lang="en-US" dirty="0"/>
+          </a:p>
+        </p:txBody>
+      </p:sp>
+      <p:sp>
+        <p:nvSpPr>
+          <p:cNvPr id="10" name="Content Placeholder 9">
             <a:extLst>
               <a:ext uri="{FF2B5EF4-FFF2-40B4-BE49-F238E27FC236}">
-                <a16:creationId xmlns:a16="http://schemas.microsoft.com/office/drawing/2014/main" id="{BE889DE9-7923-4371-BC78-6943604EA322}"/>
+                <a16:creationId xmlns:a16="http://schemas.microsoft.com/office/drawing/2014/main" id="{3E44BD7F-C301-B246-A837-5A9132AC45D8}"/>
               </a:ext>
             </a:extLst>
           </p:cNvPr>
-          <p:cNvSpPr/>
-          <p:nvPr/>
+          <p:cNvSpPr>
+            <a:spLocks noGrp="1"/>
+          </p:cNvSpPr>
+          <p:nvPr>
+            <p:ph idx="1"/>
+          </p:nvPr>
         </p:nvSpPr>
         <p:spPr>
           <a:xfrm>
-            <a:off x="3808066" y="196334"/>
-            <a:ext cx="4575868" cy="769441"/>
+            <a:off x="4250266" y="728133"/>
+            <a:ext cx="7551590" cy="5672667"/>
           </a:xfrm>
-          <a:prstGeom prst="rect">
-            <a:avLst/>
-          </a:prstGeom>
         </p:spPr>
         <p:txBody>
-          <a:bodyPr wrap="none">
-            <a:spAutoFit/>
-          </a:bodyPr>
+          <a:bodyPr/>
           <a:lstStyle/>
           <a:p>
-            <a:r>
-              <a:rPr lang="en-US" sz="4400" dirty="0">
+            <a:pPr fontAlgn="base"/>
+            <a:r>
+              <a:rPr lang="en-US" dirty="0">
+                <a:solidFill>
+                  <a:srgbClr val="000000"/>
+                </a:solidFill>
                 <a:latin typeface="AppleSystemUIFont"/>
               </a:rPr>
-              <a:t>How does it work? </a:t>
-            </a:r>
-            <a:endParaRPr lang="en-GB" sz="4400" dirty="0"/>
+              <a:t>Can modify requests / responses uniquely per user</a:t>
+            </a:r>
+          </a:p>
+          <a:p>
+            <a:pPr fontAlgn="base"/>
+            <a:r>
+              <a:rPr lang="en-US" dirty="0">
+                <a:solidFill>
+                  <a:srgbClr val="000000"/>
+                </a:solidFill>
+                <a:latin typeface="AppleSystemUIFont"/>
+              </a:rPr>
+              <a:t>Supports per-user variables</a:t>
+            </a:r>
+            <a:endParaRPr lang="en-US" dirty="0">
+              <a:solidFill>
+                <a:srgbClr val="000000"/>
+              </a:solidFill>
+              <a:latin typeface="Segoe UI" panose="020B0502040204020203" pitchFamily="34" charset="0"/>
+            </a:endParaRPr>
+          </a:p>
+          <a:p>
+            <a:pPr fontAlgn="base"/>
+            <a:r>
+              <a:rPr lang="en-US" dirty="0">
+                <a:solidFill>
+                  <a:srgbClr val="000000"/>
+                </a:solidFill>
+                <a:latin typeface="AppleSystemUIFont"/>
+              </a:rPr>
+              <a:t>Extendable modifiers, such as: </a:t>
+            </a:r>
+            <a:endParaRPr lang="en-US" dirty="0">
+              <a:solidFill>
+                <a:srgbClr val="000000"/>
+              </a:solidFill>
+              <a:latin typeface="Segoe UI" panose="020B0502040204020203" pitchFamily="34" charset="0"/>
+            </a:endParaRPr>
+          </a:p>
+          <a:p>
+            <a:pPr marL="457200" indent="-457200" fontAlgn="base">
+              <a:buFont typeface="Arial" panose="020B0604020202020204" pitchFamily="34" charset="0"/>
+              <a:buChar char="•"/>
+            </a:pPr>
+            <a:r>
+              <a:rPr lang="en-US" dirty="0">
+                <a:solidFill>
+                  <a:srgbClr val="000000"/>
+                </a:solidFill>
+                <a:latin typeface="AppleSystemUIFont"/>
+              </a:rPr>
+              <a:t>Password salting </a:t>
+            </a:r>
+            <a:endParaRPr lang="en-US" dirty="0">
+              <a:solidFill>
+                <a:srgbClr val="000000"/>
+              </a:solidFill>
+              <a:latin typeface="Segoe UI" panose="020B0502040204020203" pitchFamily="34" charset="0"/>
+            </a:endParaRPr>
+          </a:p>
+          <a:p>
+            <a:pPr marL="457200" indent="-457200" fontAlgn="base">
+              <a:buFont typeface="Arial" panose="020B0604020202020204" pitchFamily="34" charset="0"/>
+              <a:buChar char="•"/>
+            </a:pPr>
+            <a:r>
+              <a:rPr lang="en-US" dirty="0">
+                <a:solidFill>
+                  <a:srgbClr val="000000"/>
+                </a:solidFill>
+                <a:latin typeface="AppleSystemUIFont"/>
+              </a:rPr>
+              <a:t>Token generation </a:t>
+            </a:r>
+            <a:endParaRPr lang="en-US" dirty="0">
+              <a:solidFill>
+                <a:srgbClr val="000000"/>
+              </a:solidFill>
+              <a:latin typeface="Segoe UI" panose="020B0502040204020203" pitchFamily="34" charset="0"/>
+            </a:endParaRPr>
+          </a:p>
+          <a:p>
+            <a:pPr marL="457200" indent="-457200" fontAlgn="base">
+              <a:buFont typeface="Arial" panose="020B0604020202020204" pitchFamily="34" charset="0"/>
+              <a:buChar char="•"/>
+            </a:pPr>
+            <a:r>
+              <a:rPr lang="en-US" dirty="0">
+                <a:solidFill>
+                  <a:srgbClr val="000000"/>
+                </a:solidFill>
+                <a:latin typeface="AppleSystemUIFont"/>
+              </a:rPr>
+              <a:t>Coding / scripting supported </a:t>
+            </a:r>
+            <a:endParaRPr lang="en-US" dirty="0">
+              <a:solidFill>
+                <a:srgbClr val="000000"/>
+              </a:solidFill>
+              <a:latin typeface="Segoe UI" panose="020B0502040204020203" pitchFamily="34" charset="0"/>
+            </a:endParaRPr>
           </a:p>
         </p:txBody>
       </p:sp>
     </p:spTree>
     <p:extLst>
       <p:ext uri="{BB962C8B-B14F-4D97-AF65-F5344CB8AC3E}">
-        <p14:creationId xmlns:p14="http://schemas.microsoft.com/office/powerpoint/2010/main" val="3942397357"/>
+        <p14:creationId xmlns:p14="http://schemas.microsoft.com/office/powerpoint/2010/main" val="4266933987"/>
       </p:ext>
     </p:extLst>
   </p:cSld>
@@ -9400,6 +9150,12 @@
 </file>
 
 <file path=customXml/item1.xml><?xml version="1.0" encoding="utf-8"?>
+<p:properties xmlns:p="http://schemas.microsoft.com/office/2006/metadata/properties" xmlns:xsi="http://www.w3.org/2001/XMLSchema-instance" xmlns:pc="http://schemas.microsoft.com/office/infopath/2007/PartnerControls">
+  <documentManagement/>
+</p:properties>
+</file>
+
+<file path=customXml/item2.xml><?xml version="1.0" encoding="utf-8"?>
 <ct:contentTypeSchema xmlns:ct="http://schemas.microsoft.com/office/2006/metadata/contentType" xmlns:ma="http://schemas.microsoft.com/office/2006/metadata/properties/metaAttributes" ct:_="" ma:_="" ma:contentTypeName="Document" ma:contentTypeID="0x010100D67A8D7100BE1A4DBE5D35E4C27C16DF" ma:contentTypeVersion="8" ma:contentTypeDescription="Create a new document." ma:contentTypeScope="" ma:versionID="59dee0e2bd9e48803c790b78321a0573">
   <xsd:schema xmlns:xsd="http://www.w3.org/2001/XMLSchema" xmlns:xs="http://www.w3.org/2001/XMLSchema" xmlns:p="http://schemas.microsoft.com/office/2006/metadata/properties" xmlns:ns2="a390b70a-8322-41bb-bb35-991e0080501f" xmlns:ns3="56af8464-4a6e-4603-856d-639ee6c6544c" targetNamespace="http://schemas.microsoft.com/office/2006/metadata/properties" ma:root="true" ma:fieldsID="60b2b25d23e69278898d9f001339b4ab" ns2:_="" ns3:_="">
     <xsd:import namespace="a390b70a-8322-41bb-bb35-991e0080501f"/>
@@ -9590,12 +9346,6 @@
 </ct:contentTypeSchema>
 </file>
 
-<file path=customXml/item2.xml><?xml version="1.0" encoding="utf-8"?>
-<p:properties xmlns:p="http://schemas.microsoft.com/office/2006/metadata/properties" xmlns:xsi="http://www.w3.org/2001/XMLSchema-instance" xmlns:pc="http://schemas.microsoft.com/office/infopath/2007/PartnerControls">
-  <documentManagement/>
-</p:properties>
-</file>
-
 <file path=customXml/item3.xml><?xml version="1.0" encoding="utf-8"?>
 <?mso-contentType ?>
 <FormTemplates xmlns="http://schemas.microsoft.com/sharepoint/v3/contenttype/forms">
@@ -9606,6 +9356,23 @@
 </file>
 
 <file path=customXml/itemProps1.xml><?xml version="1.0" encoding="utf-8"?>
+<ds:datastoreItem xmlns:ds="http://schemas.openxmlformats.org/officeDocument/2006/customXml" ds:itemID="{0945FB79-9F84-4AA7-8515-C81FE5A311BA}">
+  <ds:schemaRefs>
+    <ds:schemaRef ds:uri="http://purl.org/dc/dcmitype/"/>
+    <ds:schemaRef ds:uri="http://schemas.microsoft.com/office/2006/documentManagement/types"/>
+    <ds:schemaRef ds:uri="http://schemas.microsoft.com/office/2006/metadata/properties"/>
+    <ds:schemaRef ds:uri="http://www.w3.org/XML/1998/namespace"/>
+    <ds:schemaRef ds:uri="http://purl.org/dc/terms/"/>
+    <ds:schemaRef ds:uri="http://purl.org/dc/elements/1.1/"/>
+    <ds:schemaRef ds:uri="http://schemas.microsoft.com/office/infopath/2007/PartnerControls"/>
+    <ds:schemaRef ds:uri="http://schemas.openxmlformats.org/package/2006/metadata/core-properties"/>
+    <ds:schemaRef ds:uri="56af8464-4a6e-4603-856d-639ee6c6544c"/>
+    <ds:schemaRef ds:uri="a390b70a-8322-41bb-bb35-991e0080501f"/>
+  </ds:schemaRefs>
+</ds:datastoreItem>
+</file>
+
+<file path=customXml/itemProps2.xml><?xml version="1.0" encoding="utf-8"?>
 <ds:datastoreItem xmlns:ds="http://schemas.openxmlformats.org/officeDocument/2006/customXml" ds:itemID="{85A9C6F3-BDF4-44D8-96BD-CF344EA47B3C}">
   <ds:schemaRefs>
     <ds:schemaRef ds:uri="http://schemas.microsoft.com/office/2006/metadata/contentType"/>
@@ -9624,23 +9391,6 @@
 </ds:datastoreItem>
 </file>
 
-<file path=customXml/itemProps2.xml><?xml version="1.0" encoding="utf-8"?>
-<ds:datastoreItem xmlns:ds="http://schemas.openxmlformats.org/officeDocument/2006/customXml" ds:itemID="{0945FB79-9F84-4AA7-8515-C81FE5A311BA}">
-  <ds:schemaRefs>
-    <ds:schemaRef ds:uri="http://purl.org/dc/dcmitype/"/>
-    <ds:schemaRef ds:uri="http://schemas.microsoft.com/office/2006/documentManagement/types"/>
-    <ds:schemaRef ds:uri="http://schemas.microsoft.com/office/2006/metadata/properties"/>
-    <ds:schemaRef ds:uri="http://www.w3.org/XML/1998/namespace"/>
-    <ds:schemaRef ds:uri="http://purl.org/dc/terms/"/>
-    <ds:schemaRef ds:uri="http://purl.org/dc/elements/1.1/"/>
-    <ds:schemaRef ds:uri="http://schemas.microsoft.com/office/infopath/2007/PartnerControls"/>
-    <ds:schemaRef ds:uri="http://schemas.openxmlformats.org/package/2006/metadata/core-properties"/>
-    <ds:schemaRef ds:uri="56af8464-4a6e-4603-856d-639ee6c6544c"/>
-    <ds:schemaRef ds:uri="a390b70a-8322-41bb-bb35-991e0080501f"/>
-  </ds:schemaRefs>
-</ds:datastoreItem>
-</file>
-
 <file path=customXml/itemProps3.xml><?xml version="1.0" encoding="utf-8"?>
 <ds:datastoreItem xmlns:ds="http://schemas.openxmlformats.org/officeDocument/2006/customXml" ds:itemID="{40902662-26C2-4821-A231-BAF4C199D77B}">
   <ds:schemaRefs>
